--- a/KodlamaVaktiYoutube/Java70_MaceraOyunu/adventuregameOOPS.pptx
+++ b/KodlamaVaktiYoutube/Java70_MaceraOyunu/adventuregameOOPS.pptx
@@ -1,12 +1,17 @@
 
 <file path=ppt/presentation.xml><?xml version="1.0" encoding="utf-8"?>
-<p:presentation xmlns:a="http://schemas.openxmlformats.org/drawingml/2006/main" xmlns:r="http://schemas.openxmlformats.org/officeDocument/2006/relationships" xmlns:p="http://schemas.openxmlformats.org/presentationml/2006/main" saveSubsetFonts="1">
+<p:presentation xmlns:a="http://schemas.openxmlformats.org/drawingml/2006/main" xmlns:r="http://schemas.openxmlformats.org/officeDocument/2006/relationships" xmlns:p="http://schemas.openxmlformats.org/presentationml/2006/main">
   <p:sldMasterIdLst>
-    <p:sldMasterId id="2147483780" r:id="rId1"/>
+    <p:sldMasterId id="2147483648" r:id="rId1"/>
   </p:sldMasterIdLst>
   <p:sldIdLst>
-    <p:sldId id="256" r:id="rId2"/>
-    <p:sldId id="257" r:id="rId3"/>
+    <p:sldId id="256" r:id="rId3"/>
+    <p:sldId id="257" r:id="rId4"/>
+    <p:sldId id="258" r:id="rId5"/>
+    <p:sldId id="259" r:id="rId6"/>
+    <p:sldId id="260" r:id="rId7"/>
+    <p:sldId id="261" r:id="rId8"/>
+    <p:sldId id="262" r:id="rId9"/>
   </p:sldIdLst>
   <p:sldSz cx="9144000" cy="6858000" type="screen4x3"/>
   <p:notesSz cx="6858000" cy="9144000"/>
@@ -109,7 +114,7 @@
 </file>
 
 <file path=ppt/slideLayouts/slideLayout1.xml><?xml version="1.0" encoding="utf-8"?>
-<p:sldLayout xmlns:a="http://schemas.openxmlformats.org/drawingml/2006/main" xmlns:r="http://schemas.openxmlformats.org/officeDocument/2006/relationships" xmlns:p="http://schemas.openxmlformats.org/presentationml/2006/main" showMasterSp="0" type="title" preserve="1">
+<p:sldLayout xmlns:a="http://schemas.openxmlformats.org/drawingml/2006/main" xmlns:r="http://schemas.openxmlformats.org/officeDocument/2006/relationships" xmlns:p="http://schemas.openxmlformats.org/presentationml/2006/main" type="title" preserve="1" showMasterSp="0">
   <p:cSld name="Başlık Slaydı">
     <p:spTree>
       <p:nvGrpSpPr>
@@ -274,7 +279,7 @@
             <a:spLocks noGrp="1"/>
           </p:cNvSpPr>
           <p:nvPr>
-            <p:ph type="ctrTitle"/>
+            <p:ph type="ctrTitle" hasCustomPrompt="1"/>
           </p:nvPr>
         </p:nvSpPr>
         <p:spPr>
@@ -306,7 +311,7 @@
             <a:spLocks noGrp="1"/>
           </p:cNvSpPr>
           <p:nvPr>
-            <p:ph type="subTitle" idx="1"/>
+            <p:ph type="subTitle" idx="1" hasCustomPrompt="1"/>
           </p:nvPr>
         </p:nvSpPr>
         <p:spPr>
@@ -394,8 +399,6 @@
           <a:p>
             <a:fld id="{D9F75050-0E15-4C5B-92B0-66D068882F1F}" type="datetimeFigureOut">
               <a:rPr lang="tr-TR" smtClean="0"/>
-              <a:pPr/>
-              <a:t>10.07.2021</a:t>
             </a:fld>
             <a:endParaRPr lang="tr-TR"/>
           </a:p>
@@ -463,8 +466,6 @@
           <a:p>
             <a:fld id="{B1DEFA8C-F947-479F-BE07-76B6B3F80BF1}" type="slidenum">
               <a:rPr lang="tr-TR" smtClean="0"/>
-              <a:pPr/>
-              <a:t>‹#›</a:t>
             </a:fld>
             <a:endParaRPr lang="tr-TR"/>
           </a:p>
@@ -502,7 +503,7 @@
             <a:spLocks noGrp="1"/>
           </p:cNvSpPr>
           <p:nvPr>
-            <p:ph type="title"/>
+            <p:ph type="title" hasCustomPrompt="1"/>
           </p:nvPr>
         </p:nvSpPr>
         <p:spPr/>
@@ -525,7 +526,7 @@
             <a:spLocks noGrp="1"/>
           </p:cNvSpPr>
           <p:nvPr>
-            <p:ph type="body" orient="vert" idx="1"/>
+            <p:ph type="body" orient="vert" idx="1" hasCustomPrompt="1"/>
           </p:nvPr>
         </p:nvSpPr>
         <p:spPr/>
@@ -538,6 +539,7 @@
               <a:rPr lang="tr-TR" smtClean="0"/>
               <a:t>Asıl metin stillerini düzenlemek için tıklatın</a:t>
             </a:r>
+            <a:endParaRPr lang="tr-TR" smtClean="0"/>
           </a:p>
           <a:p>
             <a:pPr lvl="1" eaLnBrk="1" latinLnBrk="0" hangingPunct="1"/>
@@ -545,6 +547,7 @@
               <a:rPr lang="tr-TR" smtClean="0"/>
               <a:t>İkinci düzey</a:t>
             </a:r>
+            <a:endParaRPr lang="tr-TR" smtClean="0"/>
           </a:p>
           <a:p>
             <a:pPr lvl="2" eaLnBrk="1" latinLnBrk="0" hangingPunct="1"/>
@@ -552,6 +555,7 @@
               <a:rPr lang="tr-TR" smtClean="0"/>
               <a:t>Üçüncü düzey</a:t>
             </a:r>
+            <a:endParaRPr lang="tr-TR" smtClean="0"/>
           </a:p>
           <a:p>
             <a:pPr lvl="3" eaLnBrk="1" latinLnBrk="0" hangingPunct="1"/>
@@ -559,6 +563,7 @@
               <a:rPr lang="tr-TR" smtClean="0"/>
               <a:t>Dördüncü düzey</a:t>
             </a:r>
+            <a:endParaRPr lang="tr-TR" smtClean="0"/>
           </a:p>
           <a:p>
             <a:pPr lvl="4" eaLnBrk="1" latinLnBrk="0" hangingPunct="1"/>
@@ -587,8 +592,6 @@
           <a:p>
             <a:fld id="{D9F75050-0E15-4C5B-92B0-66D068882F1F}" type="datetimeFigureOut">
               <a:rPr lang="tr-TR" smtClean="0"/>
-              <a:pPr/>
-              <a:t>10.07.2021</a:t>
             </a:fld>
             <a:endParaRPr lang="tr-TR"/>
           </a:p>
@@ -630,8 +633,6 @@
           <a:p>
             <a:fld id="{B1DEFA8C-F947-479F-BE07-76B6B3F80BF1}" type="slidenum">
               <a:rPr lang="tr-TR" smtClean="0"/>
-              <a:pPr/>
-              <a:t>‹#›</a:t>
             </a:fld>
             <a:endParaRPr lang="tr-TR"/>
           </a:p>
@@ -646,7 +647,7 @@
 </file>
 
 <file path=ppt/slideLayouts/slideLayout11.xml><?xml version="1.0" encoding="utf-8"?>
-<p:sldLayout xmlns:a="http://schemas.openxmlformats.org/drawingml/2006/main" xmlns:r="http://schemas.openxmlformats.org/officeDocument/2006/relationships" xmlns:p="http://schemas.openxmlformats.org/presentationml/2006/main" showMasterSp="0" type="vertTitleAndTx" preserve="1">
+<p:sldLayout xmlns:a="http://schemas.openxmlformats.org/drawingml/2006/main" xmlns:r="http://schemas.openxmlformats.org/officeDocument/2006/relationships" xmlns:p="http://schemas.openxmlformats.org/presentationml/2006/main" type="vertTitleAndTx" preserve="1" showMasterSp="0">
   <p:cSld name="Dikey Başlık ve Metin">
     <p:spTree>
       <p:nvGrpSpPr>
@@ -669,7 +670,7 @@
             <a:spLocks noGrp="1"/>
           </p:cNvSpPr>
           <p:nvPr>
-            <p:ph type="title" orient="vert"/>
+            <p:ph type="title" orient="vert" hasCustomPrompt="1"/>
           </p:nvPr>
         </p:nvSpPr>
         <p:spPr>
@@ -697,7 +698,7 @@
             <a:spLocks noGrp="1"/>
           </p:cNvSpPr>
           <p:nvPr>
-            <p:ph type="body" orient="vert" idx="1"/>
+            <p:ph type="body" orient="vert" idx="1" hasCustomPrompt="1"/>
           </p:nvPr>
         </p:nvSpPr>
         <p:spPr>
@@ -715,6 +716,7 @@
               <a:rPr lang="tr-TR" smtClean="0"/>
               <a:t>Asıl metin stillerini düzenlemek için tıklatın</a:t>
             </a:r>
+            <a:endParaRPr lang="tr-TR" smtClean="0"/>
           </a:p>
           <a:p>
             <a:pPr lvl="1" eaLnBrk="1" latinLnBrk="0" hangingPunct="1"/>
@@ -722,6 +724,7 @@
               <a:rPr lang="tr-TR" smtClean="0"/>
               <a:t>İkinci düzey</a:t>
             </a:r>
+            <a:endParaRPr lang="tr-TR" smtClean="0"/>
           </a:p>
           <a:p>
             <a:pPr lvl="2" eaLnBrk="1" latinLnBrk="0" hangingPunct="1"/>
@@ -729,6 +732,7 @@
               <a:rPr lang="tr-TR" smtClean="0"/>
               <a:t>Üçüncü düzey</a:t>
             </a:r>
+            <a:endParaRPr lang="tr-TR" smtClean="0"/>
           </a:p>
           <a:p>
             <a:pPr lvl="3" eaLnBrk="1" latinLnBrk="0" hangingPunct="1"/>
@@ -736,6 +740,7 @@
               <a:rPr lang="tr-TR" smtClean="0"/>
               <a:t>Dördüncü düzey</a:t>
             </a:r>
+            <a:endParaRPr lang="tr-TR" smtClean="0"/>
           </a:p>
           <a:p>
             <a:pPr lvl="4" eaLnBrk="1" latinLnBrk="0" hangingPunct="1"/>
@@ -769,8 +774,6 @@
           <a:p>
             <a:fld id="{D9F75050-0E15-4C5B-92B0-66D068882F1F}" type="datetimeFigureOut">
               <a:rPr lang="tr-TR" smtClean="0"/>
-              <a:pPr/>
-              <a:t>10.07.2021</a:t>
             </a:fld>
             <a:endParaRPr lang="tr-TR"/>
           </a:p>
@@ -957,8 +960,6 @@
           <a:p>
             <a:fld id="{B1DEFA8C-F947-479F-BE07-76B6B3F80BF1}" type="slidenum">
               <a:rPr lang="tr-TR" smtClean="0"/>
-              <a:pPr/>
-              <a:t>‹#›</a:t>
             </a:fld>
             <a:endParaRPr lang="tr-TR"/>
           </a:p>
@@ -996,7 +997,7 @@
             <a:spLocks noGrp="1"/>
           </p:cNvSpPr>
           <p:nvPr>
-            <p:ph type="title"/>
+            <p:ph type="title" hasCustomPrompt="1"/>
           </p:nvPr>
         </p:nvSpPr>
         <p:spPr>
@@ -1034,8 +1035,6 @@
           <a:p>
             <a:fld id="{D9F75050-0E15-4C5B-92B0-66D068882F1F}" type="datetimeFigureOut">
               <a:rPr lang="tr-TR" smtClean="0"/>
-              <a:pPr/>
-              <a:t>10.07.2021</a:t>
             </a:fld>
             <a:endParaRPr lang="tr-TR"/>
           </a:p>
@@ -1085,8 +1084,6 @@
           <a:p>
             <a:fld id="{B1DEFA8C-F947-479F-BE07-76B6B3F80BF1}" type="slidenum">
               <a:rPr lang="tr-TR" smtClean="0"/>
-              <a:pPr/>
-              <a:t>‹#›</a:t>
             </a:fld>
             <a:endParaRPr lang="tr-TR"/>
           </a:p>
@@ -1099,7 +1096,7 @@
             <a:spLocks noGrp="1"/>
           </p:cNvSpPr>
           <p:nvPr>
-            <p:ph sz="quarter" idx="1"/>
+            <p:ph sz="quarter" idx="1" hasCustomPrompt="1"/>
           </p:nvPr>
         </p:nvSpPr>
         <p:spPr>
@@ -1117,6 +1114,7 @@
               <a:rPr lang="tr-TR" smtClean="0"/>
               <a:t>Asıl metin stillerini düzenlemek için tıklatın</a:t>
             </a:r>
+            <a:endParaRPr lang="tr-TR" smtClean="0"/>
           </a:p>
           <a:p>
             <a:pPr lvl="1" eaLnBrk="1" latinLnBrk="0" hangingPunct="1"/>
@@ -1124,6 +1122,7 @@
               <a:rPr lang="tr-TR" smtClean="0"/>
               <a:t>İkinci düzey</a:t>
             </a:r>
+            <a:endParaRPr lang="tr-TR" smtClean="0"/>
           </a:p>
           <a:p>
             <a:pPr lvl="2" eaLnBrk="1" latinLnBrk="0" hangingPunct="1"/>
@@ -1131,6 +1130,7 @@
               <a:rPr lang="tr-TR" smtClean="0"/>
               <a:t>Üçüncü düzey</a:t>
             </a:r>
+            <a:endParaRPr lang="tr-TR" smtClean="0"/>
           </a:p>
           <a:p>
             <a:pPr lvl="3" eaLnBrk="1" latinLnBrk="0" hangingPunct="1"/>
@@ -1138,6 +1138,7 @@
               <a:rPr lang="tr-TR" smtClean="0"/>
               <a:t>Dördüncü düzey</a:t>
             </a:r>
+            <a:endParaRPr lang="tr-TR" smtClean="0"/>
           </a:p>
           <a:p>
             <a:pPr lvl="4" eaLnBrk="1" latinLnBrk="0" hangingPunct="1"/>
@@ -1158,7 +1159,7 @@
 </file>
 
 <file path=ppt/slideLayouts/slideLayout3.xml><?xml version="1.0" encoding="utf-8"?>
-<p:sldLayout xmlns:a="http://schemas.openxmlformats.org/drawingml/2006/main" xmlns:r="http://schemas.openxmlformats.org/officeDocument/2006/relationships" xmlns:p="http://schemas.openxmlformats.org/presentationml/2006/main" showMasterSp="0" type="secHead" preserve="1">
+<p:sldLayout xmlns:a="http://schemas.openxmlformats.org/drawingml/2006/main" xmlns:r="http://schemas.openxmlformats.org/officeDocument/2006/relationships" xmlns:p="http://schemas.openxmlformats.org/presentationml/2006/main" type="secHead" preserve="1" showMasterSp="0">
   <p:cSld name="Bölüm Üstbilgisi">
     <p:spTree>
       <p:nvGrpSpPr>
@@ -1181,7 +1182,7 @@
             <a:spLocks noGrp="1"/>
           </p:cNvSpPr>
           <p:nvPr>
-            <p:ph type="body" idx="1"/>
+            <p:ph type="body" idx="1" hasCustomPrompt="1"/>
           </p:nvPr>
         </p:nvSpPr>
         <p:spPr>
@@ -1248,6 +1249,7 @@
               <a:rPr kumimoji="0" lang="tr-TR" smtClean="0"/>
               <a:t>Asıl metin stillerini düzenlemek için tıklatın</a:t>
             </a:r>
+            <a:endParaRPr kumimoji="0" lang="tr-TR" smtClean="0"/>
           </a:p>
         </p:txBody>
       </p:sp>
@@ -1400,7 +1402,7 @@
             <a:spLocks noGrp="1"/>
           </p:cNvSpPr>
           <p:nvPr>
-            <p:ph type="title"/>
+            <p:ph type="title" hasCustomPrompt="1"/>
           </p:nvPr>
         </p:nvSpPr>
         <p:spPr>
@@ -1447,8 +1449,6 @@
           <a:p>
             <a:fld id="{D9F75050-0E15-4C5B-92B0-66D068882F1F}" type="datetimeFigureOut">
               <a:rPr lang="tr-TR" smtClean="0"/>
-              <a:pPr/>
-              <a:t>10.07.2021</a:t>
             </a:fld>
             <a:endParaRPr lang="tr-TR"/>
           </a:p>
@@ -1486,8 +1486,6 @@
           <a:p>
             <a:fld id="{B1DEFA8C-F947-479F-BE07-76B6B3F80BF1}" type="slidenum">
               <a:rPr lang="tr-TR" smtClean="0"/>
-              <a:pPr/>
-              <a:t>‹#›</a:t>
             </a:fld>
             <a:endParaRPr lang="tr-TR"/>
           </a:p>
@@ -1544,7 +1542,7 @@
             <a:spLocks noGrp="1"/>
           </p:cNvSpPr>
           <p:nvPr>
-            <p:ph type="title"/>
+            <p:ph type="title" hasCustomPrompt="1"/>
           </p:nvPr>
         </p:nvSpPr>
         <p:spPr/>
@@ -1567,7 +1565,7 @@
             <a:spLocks noGrp="1"/>
           </p:cNvSpPr>
           <p:nvPr>
-            <p:ph sz="quarter" idx="1"/>
+            <p:ph sz="quarter" idx="1" hasCustomPrompt="1"/>
           </p:nvPr>
         </p:nvSpPr>
         <p:spPr>
@@ -1585,6 +1583,7 @@
               <a:rPr lang="tr-TR" smtClean="0"/>
               <a:t>Asıl metin stillerini düzenlemek için tıklatın</a:t>
             </a:r>
+            <a:endParaRPr lang="tr-TR" smtClean="0"/>
           </a:p>
           <a:p>
             <a:pPr lvl="1" eaLnBrk="1" latinLnBrk="0" hangingPunct="1"/>
@@ -1592,6 +1591,7 @@
               <a:rPr lang="tr-TR" smtClean="0"/>
               <a:t>İkinci düzey</a:t>
             </a:r>
+            <a:endParaRPr lang="tr-TR" smtClean="0"/>
           </a:p>
           <a:p>
             <a:pPr lvl="2" eaLnBrk="1" latinLnBrk="0" hangingPunct="1"/>
@@ -1599,6 +1599,7 @@
               <a:rPr lang="tr-TR" smtClean="0"/>
               <a:t>Üçüncü düzey</a:t>
             </a:r>
+            <a:endParaRPr lang="tr-TR" smtClean="0"/>
           </a:p>
           <a:p>
             <a:pPr lvl="3" eaLnBrk="1" latinLnBrk="0" hangingPunct="1"/>
@@ -1606,6 +1607,7 @@
               <a:rPr lang="tr-TR" smtClean="0"/>
               <a:t>Dördüncü düzey</a:t>
             </a:r>
+            <a:endParaRPr lang="tr-TR" smtClean="0"/>
           </a:p>
           <a:p>
             <a:pPr lvl="4" eaLnBrk="1" latinLnBrk="0" hangingPunct="1"/>
@@ -1624,7 +1626,7 @@
             <a:spLocks noGrp="1"/>
           </p:cNvSpPr>
           <p:nvPr>
-            <p:ph sz="quarter" idx="2"/>
+            <p:ph sz="quarter" idx="2" hasCustomPrompt="1"/>
           </p:nvPr>
         </p:nvSpPr>
         <p:spPr>
@@ -1642,6 +1644,7 @@
               <a:rPr lang="tr-TR" smtClean="0"/>
               <a:t>Asıl metin stillerini düzenlemek için tıklatın</a:t>
             </a:r>
+            <a:endParaRPr lang="tr-TR" smtClean="0"/>
           </a:p>
           <a:p>
             <a:pPr lvl="1" eaLnBrk="1" latinLnBrk="0" hangingPunct="1"/>
@@ -1649,6 +1652,7 @@
               <a:rPr lang="tr-TR" smtClean="0"/>
               <a:t>İkinci düzey</a:t>
             </a:r>
+            <a:endParaRPr lang="tr-TR" smtClean="0"/>
           </a:p>
           <a:p>
             <a:pPr lvl="2" eaLnBrk="1" latinLnBrk="0" hangingPunct="1"/>
@@ -1656,6 +1660,7 @@
               <a:rPr lang="tr-TR" smtClean="0"/>
               <a:t>Üçüncü düzey</a:t>
             </a:r>
+            <a:endParaRPr lang="tr-TR" smtClean="0"/>
           </a:p>
           <a:p>
             <a:pPr lvl="3" eaLnBrk="1" latinLnBrk="0" hangingPunct="1"/>
@@ -1663,6 +1668,7 @@
               <a:rPr lang="tr-TR" smtClean="0"/>
               <a:t>Dördüncü düzey</a:t>
             </a:r>
+            <a:endParaRPr lang="tr-TR" smtClean="0"/>
           </a:p>
           <a:p>
             <a:pPr lvl="4" eaLnBrk="1" latinLnBrk="0" hangingPunct="1"/>
@@ -1691,8 +1697,6 @@
           <a:p>
             <a:fld id="{D9F75050-0E15-4C5B-92B0-66D068882F1F}" type="datetimeFigureOut">
               <a:rPr lang="tr-TR" smtClean="0"/>
-              <a:pPr/>
-              <a:t>10.07.2021</a:t>
             </a:fld>
             <a:endParaRPr lang="tr-TR"/>
           </a:p>
@@ -1715,8 +1719,6 @@
           <a:p>
             <a:fld id="{B1DEFA8C-F947-479F-BE07-76B6B3F80BF1}" type="slidenum">
               <a:rPr lang="tr-TR" smtClean="0"/>
-              <a:pPr/>
-              <a:t>‹#›</a:t>
             </a:fld>
             <a:endParaRPr lang="tr-TR"/>
           </a:p>
@@ -1773,7 +1775,7 @@
             <a:spLocks noGrp="1"/>
           </p:cNvSpPr>
           <p:nvPr>
-            <p:ph type="title"/>
+            <p:ph type="title" hasCustomPrompt="1"/>
           </p:nvPr>
         </p:nvSpPr>
         <p:spPr>
@@ -1805,7 +1807,7 @@
             <a:spLocks noGrp="1"/>
           </p:cNvSpPr>
           <p:nvPr>
-            <p:ph sz="quarter" idx="2"/>
+            <p:ph sz="quarter" idx="2" hasCustomPrompt="1"/>
           </p:nvPr>
         </p:nvSpPr>
         <p:spPr>
@@ -1823,6 +1825,7 @@
               <a:rPr lang="tr-TR" smtClean="0"/>
               <a:t>Asıl metin stillerini düzenlemek için tıklatın</a:t>
             </a:r>
+            <a:endParaRPr lang="tr-TR" smtClean="0"/>
           </a:p>
           <a:p>
             <a:pPr lvl="1" eaLnBrk="1" latinLnBrk="0" hangingPunct="1"/>
@@ -1830,6 +1833,7 @@
               <a:rPr lang="tr-TR" smtClean="0"/>
               <a:t>İkinci düzey</a:t>
             </a:r>
+            <a:endParaRPr lang="tr-TR" smtClean="0"/>
           </a:p>
           <a:p>
             <a:pPr lvl="2" eaLnBrk="1" latinLnBrk="0" hangingPunct="1"/>
@@ -1837,6 +1841,7 @@
               <a:rPr lang="tr-TR" smtClean="0"/>
               <a:t>Üçüncü düzey</a:t>
             </a:r>
+            <a:endParaRPr lang="tr-TR" smtClean="0"/>
           </a:p>
           <a:p>
             <a:pPr lvl="3" eaLnBrk="1" latinLnBrk="0" hangingPunct="1"/>
@@ -1844,6 +1849,7 @@
               <a:rPr lang="tr-TR" smtClean="0"/>
               <a:t>Dördüncü düzey</a:t>
             </a:r>
+            <a:endParaRPr lang="tr-TR" smtClean="0"/>
           </a:p>
           <a:p>
             <a:pPr lvl="4" eaLnBrk="1" latinLnBrk="0" hangingPunct="1"/>
@@ -1862,7 +1868,7 @@
             <a:spLocks noGrp="1"/>
           </p:cNvSpPr>
           <p:nvPr>
-            <p:ph sz="quarter" idx="4"/>
+            <p:ph sz="quarter" idx="4" hasCustomPrompt="1"/>
           </p:nvPr>
         </p:nvSpPr>
         <p:spPr>
@@ -1880,6 +1886,7 @@
               <a:rPr lang="tr-TR" smtClean="0"/>
               <a:t>Asıl metin stillerini düzenlemek için tıklatın</a:t>
             </a:r>
+            <a:endParaRPr lang="tr-TR" smtClean="0"/>
           </a:p>
           <a:p>
             <a:pPr lvl="1" eaLnBrk="1" latinLnBrk="0" hangingPunct="1"/>
@@ -1887,6 +1894,7 @@
               <a:rPr lang="tr-TR" smtClean="0"/>
               <a:t>İkinci düzey</a:t>
             </a:r>
+            <a:endParaRPr lang="tr-TR" smtClean="0"/>
           </a:p>
           <a:p>
             <a:pPr lvl="2" eaLnBrk="1" latinLnBrk="0" hangingPunct="1"/>
@@ -1894,6 +1902,7 @@
               <a:rPr lang="tr-TR" smtClean="0"/>
               <a:t>Üçüncü düzey</a:t>
             </a:r>
+            <a:endParaRPr lang="tr-TR" smtClean="0"/>
           </a:p>
           <a:p>
             <a:pPr lvl="3" eaLnBrk="1" latinLnBrk="0" hangingPunct="1"/>
@@ -1901,6 +1910,7 @@
               <a:rPr lang="tr-TR" smtClean="0"/>
               <a:t>Dördüncü düzey</a:t>
             </a:r>
+            <a:endParaRPr lang="tr-TR" smtClean="0"/>
           </a:p>
           <a:p>
             <a:pPr lvl="4" eaLnBrk="1" latinLnBrk="0" hangingPunct="1"/>
@@ -1929,8 +1939,6 @@
           <a:p>
             <a:fld id="{D9F75050-0E15-4C5B-92B0-66D068882F1F}" type="datetimeFigureOut">
               <a:rPr lang="tr-TR" smtClean="0"/>
-              <a:pPr/>
-              <a:t>10.07.2021</a:t>
             </a:fld>
             <a:endParaRPr lang="tr-TR"/>
           </a:p>
@@ -1953,8 +1961,6 @@
           <a:p>
             <a:fld id="{B1DEFA8C-F947-479F-BE07-76B6B3F80BF1}" type="slidenum">
               <a:rPr lang="tr-TR" smtClean="0"/>
-              <a:pPr/>
-              <a:t>‹#›</a:t>
             </a:fld>
             <a:endParaRPr lang="tr-TR"/>
           </a:p>
@@ -1986,7 +1992,7 @@
             <a:spLocks noGrp="1"/>
           </p:cNvSpPr>
           <p:nvPr>
-            <p:ph type="body" sz="quarter" idx="1"/>
+            <p:ph type="body" sz="quarter" idx="1" hasCustomPrompt="1"/>
           </p:nvPr>
         </p:nvSpPr>
         <p:spPr>
@@ -2017,6 +2023,7 @@
               <a:rPr kumimoji="0" lang="tr-TR" smtClean="0"/>
               <a:t>Asıl metin stillerini düzenlemek için tıklatın</a:t>
             </a:r>
+            <a:endParaRPr kumimoji="0" lang="tr-TR" smtClean="0"/>
           </a:p>
         </p:txBody>
       </p:sp>
@@ -2027,7 +2034,7 @@
             <a:spLocks noGrp="1"/>
           </p:cNvSpPr>
           <p:nvPr>
-            <p:ph type="body" sz="quarter" idx="3"/>
+            <p:ph type="body" sz="quarter" idx="3" hasCustomPrompt="1"/>
           </p:nvPr>
         </p:nvSpPr>
         <p:spPr>
@@ -2058,6 +2065,7 @@
               <a:rPr kumimoji="0" lang="tr-TR" smtClean="0"/>
               <a:t>Asıl metin stillerini düzenlemek için tıklatın</a:t>
             </a:r>
+            <a:endParaRPr kumimoji="0" lang="tr-TR" smtClean="0"/>
           </a:p>
         </p:txBody>
       </p:sp>
@@ -2093,7 +2101,7 @@
             <a:spLocks noGrp="1"/>
           </p:cNvSpPr>
           <p:nvPr>
-            <p:ph type="title"/>
+            <p:ph type="title" hasCustomPrompt="1"/>
           </p:nvPr>
         </p:nvSpPr>
         <p:spPr/>
@@ -2126,8 +2134,6 @@
           <a:p>
             <a:fld id="{D9F75050-0E15-4C5B-92B0-66D068882F1F}" type="datetimeFigureOut">
               <a:rPr lang="tr-TR" smtClean="0"/>
-              <a:pPr/>
-              <a:t>10.07.2021</a:t>
             </a:fld>
             <a:endParaRPr lang="tr-TR"/>
           </a:p>
@@ -2177,8 +2183,6 @@
           <a:p>
             <a:fld id="{B1DEFA8C-F947-479F-BE07-76B6B3F80BF1}" type="slidenum">
               <a:rPr lang="tr-TR" smtClean="0"/>
-              <a:pPr/>
-              <a:t>‹#›</a:t>
             </a:fld>
             <a:endParaRPr lang="tr-TR"/>
           </a:p>
@@ -2193,7 +2197,7 @@
 </file>
 
 <file path=ppt/slideLayouts/slideLayout7.xml><?xml version="1.0" encoding="utf-8"?>
-<p:sldLayout xmlns:a="http://schemas.openxmlformats.org/drawingml/2006/main" xmlns:r="http://schemas.openxmlformats.org/officeDocument/2006/relationships" xmlns:p="http://schemas.openxmlformats.org/presentationml/2006/main" showMasterSp="0" type="blank" preserve="1">
+<p:sldLayout xmlns:a="http://schemas.openxmlformats.org/drawingml/2006/main" xmlns:r="http://schemas.openxmlformats.org/officeDocument/2006/relationships" xmlns:p="http://schemas.openxmlformats.org/presentationml/2006/main" type="blank" preserve="1" showMasterSp="0">
   <p:cSld name="Boş">
     <p:spTree>
       <p:nvGrpSpPr>
@@ -2226,8 +2230,6 @@
           <a:p>
             <a:fld id="{D9F75050-0E15-4C5B-92B0-66D068882F1F}" type="datetimeFigureOut">
               <a:rPr lang="tr-TR" smtClean="0"/>
-              <a:pPr/>
-              <a:t>10.07.2021</a:t>
             </a:fld>
             <a:endParaRPr lang="tr-TR"/>
           </a:p>
@@ -2282,8 +2284,6 @@
           <a:p>
             <a:fld id="{B1DEFA8C-F947-479F-BE07-76B6B3F80BF1}" type="slidenum">
               <a:rPr lang="tr-TR" smtClean="0"/>
-              <a:pPr/>
-              <a:t>‹#›</a:t>
             </a:fld>
             <a:endParaRPr lang="tr-TR"/>
           </a:p>
@@ -2321,7 +2321,7 @@
             <a:spLocks noGrp="1"/>
           </p:cNvSpPr>
           <p:nvPr>
-            <p:ph type="title"/>
+            <p:ph type="title" hasCustomPrompt="1"/>
           </p:nvPr>
         </p:nvSpPr>
         <p:spPr>
@@ -2364,8 +2364,6 @@
           <a:p>
             <a:fld id="{D9F75050-0E15-4C5B-92B0-66D068882F1F}" type="datetimeFigureOut">
               <a:rPr lang="tr-TR" smtClean="0"/>
-              <a:pPr/>
-              <a:t>10.07.2021</a:t>
             </a:fld>
             <a:endParaRPr lang="tr-TR"/>
           </a:p>
@@ -2415,8 +2413,6 @@
           <a:p>
             <a:fld id="{B1DEFA8C-F947-479F-BE07-76B6B3F80BF1}" type="slidenum">
               <a:rPr lang="tr-TR" smtClean="0"/>
-              <a:pPr/>
-              <a:t>‹#›</a:t>
             </a:fld>
             <a:endParaRPr lang="tr-TR"/>
           </a:p>
@@ -2429,7 +2425,7 @@
             <a:spLocks noGrp="1"/>
           </p:cNvSpPr>
           <p:nvPr>
-            <p:ph type="body" idx="2"/>
+            <p:ph type="body" idx="2" hasCustomPrompt="1"/>
           </p:nvPr>
         </p:nvSpPr>
         <p:spPr>
@@ -2493,6 +2489,7 @@
               <a:rPr kumimoji="0" lang="tr-TR" smtClean="0"/>
               <a:t>Asıl metin stillerini düzenlemek için tıklatın</a:t>
             </a:r>
+            <a:endParaRPr kumimoji="0" lang="tr-TR" smtClean="0"/>
           </a:p>
         </p:txBody>
       </p:sp>
@@ -2503,7 +2500,7 @@
             <a:spLocks noGrp="1"/>
           </p:cNvSpPr>
           <p:nvPr>
-            <p:ph sz="quarter" idx="1"/>
+            <p:ph sz="quarter" idx="1" hasCustomPrompt="1"/>
           </p:nvPr>
         </p:nvSpPr>
         <p:spPr>
@@ -2521,6 +2518,7 @@
               <a:rPr lang="tr-TR" smtClean="0"/>
               <a:t>Asıl metin stillerini düzenlemek için tıklatın</a:t>
             </a:r>
+            <a:endParaRPr lang="tr-TR" smtClean="0"/>
           </a:p>
           <a:p>
             <a:pPr lvl="1" eaLnBrk="1" latinLnBrk="0" hangingPunct="1"/>
@@ -2528,6 +2526,7 @@
               <a:rPr lang="tr-TR" smtClean="0"/>
               <a:t>İkinci düzey</a:t>
             </a:r>
+            <a:endParaRPr lang="tr-TR" smtClean="0"/>
           </a:p>
           <a:p>
             <a:pPr lvl="2" eaLnBrk="1" latinLnBrk="0" hangingPunct="1"/>
@@ -2535,6 +2534,7 @@
               <a:rPr lang="tr-TR" smtClean="0"/>
               <a:t>Üçüncü düzey</a:t>
             </a:r>
+            <a:endParaRPr lang="tr-TR" smtClean="0"/>
           </a:p>
           <a:p>
             <a:pPr lvl="3" eaLnBrk="1" latinLnBrk="0" hangingPunct="1"/>
@@ -2542,6 +2542,7 @@
               <a:rPr lang="tr-TR" smtClean="0"/>
               <a:t>Dördüncü düzey</a:t>
             </a:r>
+            <a:endParaRPr lang="tr-TR" smtClean="0"/>
           </a:p>
           <a:p>
             <a:pPr lvl="4" eaLnBrk="1" latinLnBrk="0" hangingPunct="1"/>
@@ -2562,7 +2563,7 @@
 </file>
 
 <file path=ppt/slideLayouts/slideLayout9.xml><?xml version="1.0" encoding="utf-8"?>
-<p:sldLayout xmlns:a="http://schemas.openxmlformats.org/drawingml/2006/main" xmlns:r="http://schemas.openxmlformats.org/officeDocument/2006/relationships" xmlns:p="http://schemas.openxmlformats.org/presentationml/2006/main" showMasterSp="0" type="picTx" preserve="1">
+<p:sldLayout xmlns:a="http://schemas.openxmlformats.org/drawingml/2006/main" xmlns:r="http://schemas.openxmlformats.org/officeDocument/2006/relationships" xmlns:p="http://schemas.openxmlformats.org/presentationml/2006/main" type="picTx" preserve="1" showMasterSp="0">
   <p:cSld name="Başlıklı Resim">
     <p:spTree>
       <p:nvGrpSpPr>
@@ -2585,7 +2586,7 @@
             <a:spLocks noGrp="1"/>
           </p:cNvSpPr>
           <p:nvPr>
-            <p:ph type="body" sz="half" idx="2"/>
+            <p:ph type="body" sz="half" idx="2" hasCustomPrompt="1"/>
           </p:nvPr>
         </p:nvSpPr>
         <p:spPr>
@@ -2629,6 +2630,7 @@
               <a:rPr kumimoji="0" lang="tr-TR" smtClean="0"/>
               <a:t>Asıl metin stillerini düzenlemek için tıklatın</a:t>
             </a:r>
+            <a:endParaRPr kumimoji="0" lang="tr-TR" smtClean="0"/>
           </a:p>
         </p:txBody>
       </p:sp>
@@ -2781,7 +2783,7 @@
             <a:spLocks noGrp="1"/>
           </p:cNvSpPr>
           <p:nvPr>
-            <p:ph type="title"/>
+            <p:ph type="title" hasCustomPrompt="1"/>
           </p:nvPr>
         </p:nvSpPr>
         <p:spPr>
@@ -2879,8 +2881,6 @@
           <a:p>
             <a:fld id="{D9F75050-0E15-4C5B-92B0-66D068882F1F}" type="datetimeFigureOut">
               <a:rPr lang="tr-TR" smtClean="0"/>
-              <a:pPr/>
-              <a:t>10.07.2021</a:t>
             </a:fld>
             <a:endParaRPr lang="tr-TR"/>
           </a:p>
@@ -2912,8 +2912,6 @@
           <a:p>
             <a:fld id="{B1DEFA8C-F947-479F-BE07-76B6B3F80BF1}" type="slidenum">
               <a:rPr lang="tr-TR" smtClean="0"/>
-              <a:pPr/>
-              <a:t>‹#›</a:t>
             </a:fld>
             <a:endParaRPr lang="tr-TR"/>
           </a:p>
@@ -2950,7 +2948,7 @@
             <a:spLocks noGrp="1"/>
           </p:cNvSpPr>
           <p:nvPr>
-            <p:ph type="pic" idx="1"/>
+            <p:ph type="pic" idx="1" hasCustomPrompt="1"/>
           </p:nvPr>
         </p:nvSpPr>
         <p:spPr>
@@ -3077,6 +3075,7 @@
               <a:rPr kumimoji="0" lang="tr-TR" smtClean="0"/>
               <a:t>Asıl metin stillerini düzenlemek için tıklatın</a:t>
             </a:r>
+            <a:endParaRPr kumimoji="0" lang="tr-TR" smtClean="0"/>
           </a:p>
           <a:p>
             <a:pPr lvl="1" eaLnBrk="1" latinLnBrk="0" hangingPunct="1"/>
@@ -3084,6 +3083,7 @@
               <a:rPr kumimoji="0" lang="tr-TR" smtClean="0"/>
               <a:t>İkinci düzey</a:t>
             </a:r>
+            <a:endParaRPr kumimoji="0" lang="tr-TR" smtClean="0"/>
           </a:p>
           <a:p>
             <a:pPr lvl="2" eaLnBrk="1" latinLnBrk="0" hangingPunct="1"/>
@@ -3091,6 +3091,7 @@
               <a:rPr kumimoji="0" lang="tr-TR" smtClean="0"/>
               <a:t>Üçüncü düzey</a:t>
             </a:r>
+            <a:endParaRPr kumimoji="0" lang="tr-TR" smtClean="0"/>
           </a:p>
           <a:p>
             <a:pPr lvl="3" eaLnBrk="1" latinLnBrk="0" hangingPunct="1"/>
@@ -3098,6 +3099,7 @@
               <a:rPr kumimoji="0" lang="tr-TR" smtClean="0"/>
               <a:t>Dördüncü düzey</a:t>
             </a:r>
+            <a:endParaRPr kumimoji="0" lang="tr-TR" smtClean="0"/>
           </a:p>
           <a:p>
             <a:pPr lvl="4" eaLnBrk="1" latinLnBrk="0" hangingPunct="1"/>
@@ -3142,8 +3144,6 @@
           <a:p>
             <a:fld id="{D9F75050-0E15-4C5B-92B0-66D068882F1F}" type="datetimeFigureOut">
               <a:rPr lang="tr-TR" smtClean="0"/>
-              <a:pPr/>
-              <a:t>10.07.2021</a:t>
             </a:fld>
             <a:endParaRPr lang="tr-TR"/>
           </a:p>
@@ -3361,8 +3361,6 @@
           <a:p>
             <a:fld id="{B1DEFA8C-F947-479F-BE07-76B6B3F80BF1}" type="slidenum">
               <a:rPr lang="tr-TR" smtClean="0"/>
-              <a:pPr/>
-              <a:t>‹#›</a:t>
             </a:fld>
             <a:endParaRPr lang="tr-TR"/>
           </a:p>
@@ -3372,17 +3370,17 @@
   </p:cSld>
   <p:clrMap bg1="lt1" tx1="dk1" bg2="lt2" tx2="dk2" accent1="accent1" accent2="accent2" accent3="accent3" accent4="accent4" accent5="accent5" accent6="accent6" hlink="hlink" folHlink="folHlink"/>
   <p:sldLayoutIdLst>
-    <p:sldLayoutId id="2147483781" r:id="rId1"/>
-    <p:sldLayoutId id="2147483782" r:id="rId2"/>
-    <p:sldLayoutId id="2147483783" r:id="rId3"/>
-    <p:sldLayoutId id="2147483784" r:id="rId4"/>
-    <p:sldLayoutId id="2147483785" r:id="rId5"/>
-    <p:sldLayoutId id="2147483786" r:id="rId6"/>
-    <p:sldLayoutId id="2147483787" r:id="rId7"/>
-    <p:sldLayoutId id="2147483788" r:id="rId8"/>
-    <p:sldLayoutId id="2147483789" r:id="rId9"/>
-    <p:sldLayoutId id="2147483790" r:id="rId10"/>
-    <p:sldLayoutId id="2147483791" r:id="rId11"/>
+    <p:sldLayoutId id="2147483649" r:id="rId1"/>
+    <p:sldLayoutId id="2147483650" r:id="rId2"/>
+    <p:sldLayoutId id="2147483651" r:id="rId3"/>
+    <p:sldLayoutId id="2147483652" r:id="rId4"/>
+    <p:sldLayoutId id="2147483653" r:id="rId5"/>
+    <p:sldLayoutId id="2147483654" r:id="rId6"/>
+    <p:sldLayoutId id="2147483655" r:id="rId7"/>
+    <p:sldLayoutId id="2147483656" r:id="rId8"/>
+    <p:sldLayoutId id="2147483657" r:id="rId9"/>
+    <p:sldLayoutId id="2147483658" r:id="rId10"/>
+    <p:sldLayoutId id="2147483659" r:id="rId11"/>
   </p:sldLayoutIdLst>
   <p:txStyles>
     <p:titleStyle>
@@ -3410,7 +3408,7 @@
           <a:schemeClr val="accent2"/>
         </a:buClr>
         <a:buSzPct val="60000"/>
-        <a:buFont typeface="Wingdings"/>
+        <a:buFont typeface="Wingdings" panose="05000000000000000000"/>
         <a:buChar char=""/>
         <a:defRPr kumimoji="0" sz="2900" kern="1200">
           <a:solidFill>
@@ -3448,7 +3446,7 @@
           <a:schemeClr val="accent2"/>
         </a:buClr>
         <a:buSzPct val="75000"/>
-        <a:buFont typeface="Wingdings"/>
+        <a:buFont typeface="Wingdings" panose="05000000000000000000"/>
         <a:buChar char=""/>
         <a:defRPr kumimoji="0" sz="2300" kern="1200">
           <a:solidFill>
@@ -3467,7 +3465,7 @@
           <a:schemeClr val="accent3"/>
         </a:buClr>
         <a:buSzPct val="75000"/>
-        <a:buFont typeface="Wingdings"/>
+        <a:buFont typeface="Wingdings" panose="05000000000000000000"/>
         <a:buChar char=""/>
         <a:defRPr kumimoji="0" sz="2000" kern="1200">
           <a:solidFill>
@@ -3486,7 +3484,7 @@
           <a:schemeClr val="accent4"/>
         </a:buClr>
         <a:buSzPct val="65000"/>
-        <a:buFont typeface="Wingdings"/>
+        <a:buFont typeface="Wingdings" panose="05000000000000000000"/>
         <a:buChar char=""/>
         <a:defRPr kumimoji="0" sz="2000" kern="1200">
           <a:solidFill>
@@ -3504,7 +3502,7 @@
         <a:buClr>
           <a:schemeClr val="accent1"/>
         </a:buClr>
-        <a:buFont typeface="Wingdings"/>
+        <a:buFont typeface="Wingdings" panose="05000000000000000000"/>
         <a:buChar char="§"/>
         <a:defRPr kumimoji="0" sz="1800" kern="1200" baseline="0">
           <a:solidFill>
@@ -3522,7 +3520,7 @@
         <a:buClr>
           <a:schemeClr val="accent2"/>
         </a:buClr>
-        <a:buFont typeface="Wingdings"/>
+        <a:buFont typeface="Wingdings" panose="05000000000000000000"/>
         <a:buChar char="§"/>
         <a:defRPr kumimoji="0" sz="1800" kern="1200" baseline="0">
           <a:solidFill>
@@ -3540,7 +3538,7 @@
         <a:buClr>
           <a:schemeClr val="accent3"/>
         </a:buClr>
-        <a:buFont typeface="Wingdings"/>
+        <a:buFont typeface="Wingdings" panose="05000000000000000000"/>
         <a:buChar char="§"/>
         <a:defRPr kumimoji="0" sz="1800" kern="1200" baseline="0">
           <a:solidFill>
@@ -3558,7 +3556,7 @@
         <a:buClr>
           <a:schemeClr val="accent4"/>
         </a:buClr>
-        <a:buFont typeface="Wingdings"/>
+        <a:buFont typeface="Wingdings" panose="05000000000000000000"/>
         <a:buChar char="§"/>
         <a:defRPr kumimoji="0" sz="1800" kern="1200" baseline="0">
           <a:solidFill>
@@ -3692,7 +3690,7 @@
           <p:nvPr/>
         </p:nvPicPr>
         <p:blipFill>
-          <a:blip r:embed="rId2" cstate="print"/>
+          <a:blip r:embed="rId1" cstate="print"/>
           <a:srcRect/>
           <a:stretch>
             <a:fillRect/>
@@ -3718,7 +3716,7 @@
           <p:nvPr/>
         </p:nvPicPr>
         <p:blipFill>
-          <a:blip r:embed="rId3" cstate="print"/>
+          <a:blip r:embed="rId2" cstate="print"/>
           <a:srcRect t="21175" b="27800"/>
           <a:stretch>
             <a:fillRect/>
@@ -3744,7 +3742,7 @@
           <p:nvPr/>
         </p:nvPicPr>
         <p:blipFill>
-          <a:blip r:embed="rId4" cstate="print"/>
+          <a:blip r:embed="rId3" cstate="print"/>
           <a:srcRect/>
           <a:stretch>
             <a:fillRect/>
@@ -3795,7 +3793,7 @@
           <p:nvPr/>
         </p:nvPicPr>
         <p:blipFill>
-          <a:blip r:embed="rId2" cstate="print"/>
+          <a:blip r:embed="rId1" cstate="print"/>
           <a:srcRect/>
           <a:stretch>
             <a:fillRect/>
@@ -3803,8 +3801,8 @@
         </p:blipFill>
         <p:spPr bwMode="auto">
           <a:xfrm>
-            <a:off x="100097" y="1844824"/>
-            <a:ext cx="9043903" cy="5013176"/>
+            <a:off x="0" y="1556791"/>
+            <a:ext cx="9144000" cy="5301209"/>
           </a:xfrm>
           <a:prstGeom prst="rect">
             <a:avLst/>
@@ -3821,7 +3819,7 @@
         <p:spPr>
           <a:xfrm>
             <a:off x="683568" y="188640"/>
-            <a:ext cx="8136904" cy="1569660"/>
+            <a:ext cx="8136904" cy="1198880"/>
           </a:xfrm>
           <a:prstGeom prst="rect">
             <a:avLst/>
@@ -3853,8 +3851,7 @@
           <a:p>
             <a:pPr algn="ctr"/>
             <a:r>
-              <a:rPr lang="tr-TR" sz="9600" b="1" dirty="0" err="1" smtClean="0">
-                <a:ln/>
+              <a:rPr lang="tr-TR" sz="7200" b="1" dirty="0" err="1" smtClean="0">
                 <a:solidFill>
                   <a:schemeClr val="accent3"/>
                 </a:solidFill>
@@ -3862,8 +3859,7 @@
               <a:t>Flow</a:t>
             </a:r>
             <a:r>
-              <a:rPr lang="tr-TR" sz="9600" b="1" dirty="0" smtClean="0">
-                <a:ln/>
+              <a:rPr lang="tr-TR" sz="7200" b="1" dirty="0" smtClean="0">
                 <a:solidFill>
                   <a:schemeClr val="accent3"/>
                 </a:solidFill>
@@ -3871,16 +3867,14 @@
               <a:t> </a:t>
             </a:r>
             <a:r>
-              <a:rPr lang="tr-TR" sz="9600" b="1" dirty="0" err="1" smtClean="0">
-                <a:ln/>
+              <a:rPr lang="tr-TR" sz="7200" b="1" dirty="0" err="1" smtClean="0">
                 <a:solidFill>
                   <a:schemeClr val="accent3"/>
                 </a:solidFill>
               </a:rPr>
               <a:t>Diagram</a:t>
             </a:r>
-            <a:endParaRPr lang="tr-TR" sz="9600" b="1" cap="none" spc="0" dirty="0">
-              <a:ln/>
+            <a:endParaRPr lang="tr-TR" sz="7200" b="1" cap="none" spc="0" dirty="0">
               <a:solidFill>
                 <a:schemeClr val="accent3"/>
               </a:solidFill>
@@ -3889,6 +3883,2817 @@
           </a:p>
         </p:txBody>
       </p:sp>
+    </p:spTree>
+  </p:cSld>
+  <p:clrMapOvr>
+    <a:masterClrMapping/>
+  </p:clrMapOvr>
+</p:sld>
+</file>
+
+<file path=ppt/slides/slide3.xml><?xml version="1.0" encoding="utf-8"?>
+<p:sld xmlns:a="http://schemas.openxmlformats.org/drawingml/2006/main" xmlns:r="http://schemas.openxmlformats.org/officeDocument/2006/relationships" xmlns:p="http://schemas.openxmlformats.org/presentationml/2006/main">
+  <p:cSld>
+    <p:spTree>
+      <p:nvGrpSpPr>
+        <p:cNvPr id="1" name=""/>
+        <p:cNvGrpSpPr/>
+        <p:nvPr/>
+      </p:nvGrpSpPr>
+      <p:grpSpPr>
+        <a:xfrm>
+          <a:off x="0" y="0"/>
+          <a:ext cx="0" cy="0"/>
+          <a:chOff x="0" y="0"/>
+          <a:chExt cx="0" cy="0"/>
+        </a:xfrm>
+      </p:grpSpPr>
+      <p:sp>
+        <p:nvSpPr>
+          <p:cNvPr id="4" name="3 Dikdörtgen"/>
+          <p:cNvSpPr/>
+          <p:nvPr/>
+        </p:nvSpPr>
+        <p:spPr>
+          <a:xfrm>
+            <a:off x="971600" y="116632"/>
+            <a:ext cx="6840760" cy="829945"/>
+          </a:xfrm>
+          <a:prstGeom prst="rect">
+            <a:avLst/>
+          </a:prstGeom>
+          <a:noFill/>
+        </p:spPr>
+        <p:txBody>
+          <a:bodyPr wrap="square" lIns="91440" tIns="45720" rIns="91440" bIns="45720">
+            <a:spAutoFit/>
+            <a:scene3d>
+              <a:camera prst="orthographicFront"/>
+              <a:lightRig rig="flat" dir="tl">
+                <a:rot lat="0" lon="0" rev="6600000"/>
+              </a:lightRig>
+            </a:scene3d>
+            <a:sp3d extrusionH="25400" contourW="8890">
+              <a:bevelT w="38100" h="31750"/>
+              <a:contourClr>
+                <a:schemeClr val="accent2">
+                  <a:shade val="75000"/>
+                </a:schemeClr>
+              </a:contourClr>
+            </a:sp3d>
+          </a:bodyPr>
+          <a:lstStyle/>
+          <a:p>
+            <a:pPr algn="ctr"/>
+            <a:r>
+              <a:rPr lang="tr-TR" sz="4800" b="1" cap="none" spc="0" smtClean="0">
+                <a:ln w="11430"/>
+                <a:gradFill>
+                  <a:gsLst>
+                    <a:gs pos="0">
+                      <a:schemeClr val="accent2">
+                        <a:tint val="70000"/>
+                        <a:satMod val="245000"/>
+                      </a:schemeClr>
+                    </a:gs>
+                    <a:gs pos="75000">
+                      <a:schemeClr val="accent2">
+                        <a:tint val="90000"/>
+                        <a:shade val="60000"/>
+                        <a:satMod val="240000"/>
+                      </a:schemeClr>
+                    </a:gs>
+                    <a:gs pos="100000">
+                      <a:schemeClr val="accent2">
+                        <a:tint val="100000"/>
+                        <a:shade val="50000"/>
+                        <a:satMod val="240000"/>
+                      </a:schemeClr>
+                    </a:gs>
+                  </a:gsLst>
+                  <a:lin ang="5400000"/>
+                </a:gradFill>
+                <a:effectLst>
+                  <a:outerShdw blurRad="50800" dist="39000" dir="5460000" algn="tl">
+                    <a:srgbClr val="000000">
+                      <a:alpha val="38000"/>
+                    </a:srgbClr>
+                  </a:outerShdw>
+                </a:effectLst>
+              </a:rPr>
+              <a:t>INVENTORY </a:t>
+            </a:r>
+            <a:r>
+              <a:rPr lang="tr-TR" sz="4800" b="1" cap="none" spc="0" dirty="0" smtClean="0">
+                <a:ln w="11430"/>
+                <a:gradFill>
+                  <a:gsLst>
+                    <a:gs pos="0">
+                      <a:schemeClr val="accent2">
+                        <a:tint val="70000"/>
+                        <a:satMod val="245000"/>
+                      </a:schemeClr>
+                    </a:gs>
+                    <a:gs pos="75000">
+                      <a:schemeClr val="accent2">
+                        <a:tint val="90000"/>
+                        <a:shade val="60000"/>
+                        <a:satMod val="240000"/>
+                      </a:schemeClr>
+                    </a:gs>
+                    <a:gs pos="100000">
+                      <a:schemeClr val="accent2">
+                        <a:tint val="100000"/>
+                        <a:shade val="50000"/>
+                        <a:satMod val="240000"/>
+                      </a:schemeClr>
+                    </a:gs>
+                  </a:gsLst>
+                  <a:lin ang="5400000"/>
+                </a:gradFill>
+                <a:effectLst>
+                  <a:outerShdw blurRad="50800" dist="39000" dir="5460000" algn="tl">
+                    <a:srgbClr val="000000">
+                      <a:alpha val="38000"/>
+                    </a:srgbClr>
+                  </a:outerShdw>
+                </a:effectLst>
+              </a:rPr>
+              <a:t>CLASS</a:t>
+            </a:r>
+            <a:endParaRPr lang="tr-TR" sz="4800" b="1" cap="none" spc="0" dirty="0">
+              <a:ln w="11430"/>
+              <a:gradFill>
+                <a:gsLst>
+                  <a:gs pos="0">
+                    <a:schemeClr val="accent2">
+                      <a:tint val="70000"/>
+                      <a:satMod val="245000"/>
+                    </a:schemeClr>
+                  </a:gs>
+                  <a:gs pos="75000">
+                    <a:schemeClr val="accent2">
+                      <a:tint val="90000"/>
+                      <a:shade val="60000"/>
+                      <a:satMod val="240000"/>
+                    </a:schemeClr>
+                  </a:gs>
+                  <a:gs pos="100000">
+                    <a:schemeClr val="accent2">
+                      <a:tint val="100000"/>
+                      <a:shade val="50000"/>
+                      <a:satMod val="240000"/>
+                    </a:schemeClr>
+                  </a:gs>
+                </a:gsLst>
+                <a:lin ang="5400000"/>
+              </a:gradFill>
+              <a:effectLst>
+                <a:outerShdw blurRad="50800" dist="39000" dir="5460000" algn="tl">
+                  <a:srgbClr val="000000">
+                    <a:alpha val="38000"/>
+                  </a:srgbClr>
+                </a:outerShdw>
+              </a:effectLst>
+            </a:endParaRPr>
+          </a:p>
+        </p:txBody>
+      </p:sp>
+      <p:pic>
+        <p:nvPicPr>
+          <p:cNvPr id="1026" name="Picture 2"/>
+          <p:cNvPicPr>
+            <a:picLocks noChangeAspect="1" noChangeArrowheads="1"/>
+          </p:cNvPicPr>
+          <p:nvPr/>
+        </p:nvPicPr>
+        <p:blipFill>
+          <a:blip r:embed="rId1" cstate="print"/>
+          <a:srcRect/>
+          <a:stretch>
+            <a:fillRect/>
+          </a:stretch>
+        </p:blipFill>
+        <p:spPr bwMode="auto">
+          <a:xfrm>
+            <a:off x="0" y="1556792"/>
+            <a:ext cx="5902502" cy="5301208"/>
+          </a:xfrm>
+          <a:prstGeom prst="rect">
+            <a:avLst/>
+          </a:prstGeom>
+          <a:noFill/>
+          <a:ln w="9525">
+            <a:noFill/>
+            <a:miter lim="800000"/>
+            <a:headEnd/>
+            <a:tailEnd/>
+          </a:ln>
+        </p:spPr>
+      </p:pic>
+      <p:sp>
+        <p:nvSpPr>
+          <p:cNvPr id="7" name="6 Dikdörtgen"/>
+          <p:cNvSpPr/>
+          <p:nvPr/>
+        </p:nvSpPr>
+        <p:spPr>
+          <a:xfrm>
+            <a:off x="6191672" y="2433082"/>
+            <a:ext cx="2952328" cy="583565"/>
+          </a:xfrm>
+          <a:prstGeom prst="rect">
+            <a:avLst/>
+          </a:prstGeom>
+          <a:noFill/>
+        </p:spPr>
+        <p:txBody>
+          <a:bodyPr wrap="square" lIns="91440" tIns="45720" rIns="91440" bIns="45720">
+            <a:spAutoFit/>
+            <a:scene3d>
+              <a:camera prst="orthographicFront"/>
+              <a:lightRig rig="flat" dir="tl">
+                <a:rot lat="0" lon="0" rev="6600000"/>
+              </a:lightRig>
+            </a:scene3d>
+            <a:sp3d extrusionH="25400" contourW="8890">
+              <a:bevelT w="38100" h="31750"/>
+              <a:contourClr>
+                <a:schemeClr val="accent2">
+                  <a:shade val="75000"/>
+                </a:schemeClr>
+              </a:contourClr>
+            </a:sp3d>
+          </a:bodyPr>
+          <a:lstStyle/>
+          <a:p>
+            <a:pPr algn="ctr"/>
+            <a:r>
+              <a:rPr lang="tr-TR" sz="3200" b="1" cap="none" spc="0" dirty="0" err="1" smtClean="0">
+                <a:ln w="11430"/>
+                <a:gradFill>
+                  <a:gsLst>
+                    <a:gs pos="0">
+                      <a:schemeClr val="accent2">
+                        <a:tint val="70000"/>
+                        <a:satMod val="245000"/>
+                      </a:schemeClr>
+                    </a:gs>
+                    <a:gs pos="75000">
+                      <a:schemeClr val="accent2">
+                        <a:tint val="90000"/>
+                        <a:shade val="60000"/>
+                        <a:satMod val="240000"/>
+                      </a:schemeClr>
+                    </a:gs>
+                    <a:gs pos="100000">
+                      <a:schemeClr val="accent2">
+                        <a:tint val="100000"/>
+                        <a:shade val="50000"/>
+                        <a:satMod val="240000"/>
+                      </a:schemeClr>
+                    </a:gs>
+                  </a:gsLst>
+                  <a:lin ang="5400000"/>
+                </a:gradFill>
+                <a:effectLst>
+                  <a:outerShdw blurRad="50800" dist="39000" dir="5460000" algn="tl">
+                    <a:srgbClr val="000000">
+                      <a:alpha val="38000"/>
+                    </a:srgbClr>
+                  </a:outerShdw>
+                </a:effectLst>
+              </a:rPr>
+              <a:t>Constructor</a:t>
+            </a:r>
+            <a:endParaRPr lang="tr-TR" sz="3200" b="1" cap="none" spc="0" dirty="0">
+              <a:ln w="11430"/>
+              <a:gradFill>
+                <a:gsLst>
+                  <a:gs pos="0">
+                    <a:schemeClr val="accent2">
+                      <a:tint val="70000"/>
+                      <a:satMod val="245000"/>
+                    </a:schemeClr>
+                  </a:gs>
+                  <a:gs pos="75000">
+                    <a:schemeClr val="accent2">
+                      <a:tint val="90000"/>
+                      <a:shade val="60000"/>
+                      <a:satMod val="240000"/>
+                    </a:schemeClr>
+                  </a:gs>
+                  <a:gs pos="100000">
+                    <a:schemeClr val="accent2">
+                      <a:tint val="100000"/>
+                      <a:shade val="50000"/>
+                      <a:satMod val="240000"/>
+                    </a:schemeClr>
+                  </a:gs>
+                </a:gsLst>
+                <a:lin ang="5400000"/>
+              </a:gradFill>
+              <a:effectLst>
+                <a:outerShdw blurRad="50800" dist="39000" dir="5460000" algn="tl">
+                  <a:srgbClr val="000000">
+                    <a:alpha val="38000"/>
+                  </a:srgbClr>
+                </a:outerShdw>
+              </a:effectLst>
+            </a:endParaRPr>
+          </a:p>
+        </p:txBody>
+      </p:sp>
+      <p:sp>
+        <p:nvSpPr>
+          <p:cNvPr id="8" name="7 Dikdörtgen"/>
+          <p:cNvSpPr/>
+          <p:nvPr/>
+        </p:nvSpPr>
+        <p:spPr>
+          <a:xfrm>
+            <a:off x="5868144" y="1628800"/>
+            <a:ext cx="2952328" cy="707886"/>
+          </a:xfrm>
+          <a:prstGeom prst="rect">
+            <a:avLst/>
+          </a:prstGeom>
+          <a:noFill/>
+        </p:spPr>
+        <p:txBody>
+          <a:bodyPr wrap="square" lIns="91440" tIns="45720" rIns="91440" bIns="45720">
+            <a:spAutoFit/>
+            <a:scene3d>
+              <a:camera prst="orthographicFront"/>
+              <a:lightRig rig="flat" dir="tl">
+                <a:rot lat="0" lon="0" rev="6600000"/>
+              </a:lightRig>
+            </a:scene3d>
+            <a:sp3d extrusionH="25400" contourW="8890">
+              <a:bevelT w="38100" h="31750"/>
+              <a:contourClr>
+                <a:schemeClr val="accent2">
+                  <a:shade val="75000"/>
+                </a:schemeClr>
+              </a:contourClr>
+            </a:sp3d>
+          </a:bodyPr>
+          <a:lstStyle/>
+          <a:p>
+            <a:pPr algn="ctr"/>
+            <a:r>
+              <a:rPr lang="tr-TR" sz="4000" b="1" cap="none" spc="0" dirty="0" err="1" smtClean="0">
+                <a:ln w="11430"/>
+                <a:gradFill>
+                  <a:gsLst>
+                    <a:gs pos="0">
+                      <a:schemeClr val="accent2">
+                        <a:tint val="70000"/>
+                        <a:satMod val="245000"/>
+                      </a:schemeClr>
+                    </a:gs>
+                    <a:gs pos="75000">
+                      <a:schemeClr val="accent2">
+                        <a:tint val="90000"/>
+                        <a:shade val="60000"/>
+                        <a:satMod val="240000"/>
+                      </a:schemeClr>
+                    </a:gs>
+                    <a:gs pos="100000">
+                      <a:schemeClr val="accent2">
+                        <a:tint val="100000"/>
+                        <a:shade val="50000"/>
+                        <a:satMod val="240000"/>
+                      </a:schemeClr>
+                    </a:gs>
+                  </a:gsLst>
+                  <a:lin ang="5400000"/>
+                </a:gradFill>
+                <a:effectLst>
+                  <a:outerShdw blurRad="50800" dist="39000" dir="5460000" algn="tl">
+                    <a:srgbClr val="000000">
+                      <a:alpha val="38000"/>
+                    </a:srgbClr>
+                  </a:outerShdw>
+                </a:effectLst>
+              </a:rPr>
+              <a:t>Variables</a:t>
+            </a:r>
+            <a:endParaRPr lang="tr-TR" sz="4000" b="1" cap="none" spc="0" dirty="0">
+              <a:ln w="11430"/>
+              <a:gradFill>
+                <a:gsLst>
+                  <a:gs pos="0">
+                    <a:schemeClr val="accent2">
+                      <a:tint val="70000"/>
+                      <a:satMod val="245000"/>
+                    </a:schemeClr>
+                  </a:gs>
+                  <a:gs pos="75000">
+                    <a:schemeClr val="accent2">
+                      <a:tint val="90000"/>
+                      <a:shade val="60000"/>
+                      <a:satMod val="240000"/>
+                    </a:schemeClr>
+                  </a:gs>
+                  <a:gs pos="100000">
+                    <a:schemeClr val="accent2">
+                      <a:tint val="100000"/>
+                      <a:shade val="50000"/>
+                      <a:satMod val="240000"/>
+                    </a:schemeClr>
+                  </a:gs>
+                </a:gsLst>
+                <a:lin ang="5400000"/>
+              </a:gradFill>
+              <a:effectLst>
+                <a:outerShdw blurRad="50800" dist="39000" dir="5460000" algn="tl">
+                  <a:srgbClr val="000000">
+                    <a:alpha val="38000"/>
+                  </a:srgbClr>
+                </a:outerShdw>
+              </a:effectLst>
+            </a:endParaRPr>
+          </a:p>
+        </p:txBody>
+      </p:sp>
+      <p:sp>
+        <p:nvSpPr>
+          <p:cNvPr id="9" name="8 Dikdörtgen"/>
+          <p:cNvSpPr/>
+          <p:nvPr/>
+        </p:nvSpPr>
+        <p:spPr>
+          <a:xfrm>
+            <a:off x="6156176" y="4665330"/>
+            <a:ext cx="2952328" cy="1323439"/>
+          </a:xfrm>
+          <a:prstGeom prst="rect">
+            <a:avLst/>
+          </a:prstGeom>
+          <a:noFill/>
+        </p:spPr>
+        <p:txBody>
+          <a:bodyPr wrap="square" lIns="91440" tIns="45720" rIns="91440" bIns="45720">
+            <a:spAutoFit/>
+            <a:scene3d>
+              <a:camera prst="orthographicFront"/>
+              <a:lightRig rig="flat" dir="tl">
+                <a:rot lat="0" lon="0" rev="6600000"/>
+              </a:lightRig>
+            </a:scene3d>
+            <a:sp3d extrusionH="25400" contourW="8890">
+              <a:bevelT w="38100" h="31750"/>
+              <a:contourClr>
+                <a:schemeClr val="accent2">
+                  <a:shade val="75000"/>
+                </a:schemeClr>
+              </a:contourClr>
+            </a:sp3d>
+          </a:bodyPr>
+          <a:lstStyle/>
+          <a:p>
+            <a:pPr algn="ctr"/>
+            <a:r>
+              <a:rPr lang="tr-TR" sz="4000" b="1" cap="none" spc="0" dirty="0" err="1" smtClean="0">
+                <a:ln w="11430"/>
+                <a:gradFill>
+                  <a:gsLst>
+                    <a:gs pos="0">
+                      <a:schemeClr val="accent2">
+                        <a:tint val="70000"/>
+                        <a:satMod val="245000"/>
+                      </a:schemeClr>
+                    </a:gs>
+                    <a:gs pos="75000">
+                      <a:schemeClr val="accent2">
+                        <a:tint val="90000"/>
+                        <a:shade val="60000"/>
+                        <a:satMod val="240000"/>
+                      </a:schemeClr>
+                    </a:gs>
+                    <a:gs pos="100000">
+                      <a:schemeClr val="accent2">
+                        <a:tint val="100000"/>
+                        <a:shade val="50000"/>
+                        <a:satMod val="240000"/>
+                      </a:schemeClr>
+                    </a:gs>
+                  </a:gsLst>
+                  <a:lin ang="5400000"/>
+                </a:gradFill>
+                <a:effectLst>
+                  <a:outerShdw blurRad="50800" dist="39000" dir="5460000" algn="tl">
+                    <a:srgbClr val="000000">
+                      <a:alpha val="38000"/>
+                    </a:srgbClr>
+                  </a:outerShdw>
+                </a:effectLst>
+              </a:rPr>
+              <a:t>Getter</a:t>
+            </a:r>
+            <a:r>
+              <a:rPr lang="tr-TR" sz="4000" b="1" cap="none" spc="0" dirty="0" smtClean="0">
+                <a:ln w="11430"/>
+                <a:gradFill>
+                  <a:gsLst>
+                    <a:gs pos="0">
+                      <a:schemeClr val="accent2">
+                        <a:tint val="70000"/>
+                        <a:satMod val="245000"/>
+                      </a:schemeClr>
+                    </a:gs>
+                    <a:gs pos="75000">
+                      <a:schemeClr val="accent2">
+                        <a:tint val="90000"/>
+                        <a:shade val="60000"/>
+                        <a:satMod val="240000"/>
+                      </a:schemeClr>
+                    </a:gs>
+                    <a:gs pos="100000">
+                      <a:schemeClr val="accent2">
+                        <a:tint val="100000"/>
+                        <a:shade val="50000"/>
+                        <a:satMod val="240000"/>
+                      </a:schemeClr>
+                    </a:gs>
+                  </a:gsLst>
+                  <a:lin ang="5400000"/>
+                </a:gradFill>
+                <a:effectLst>
+                  <a:outerShdw blurRad="50800" dist="39000" dir="5460000" algn="tl">
+                    <a:srgbClr val="000000">
+                      <a:alpha val="38000"/>
+                    </a:srgbClr>
+                  </a:outerShdw>
+                </a:effectLst>
+              </a:rPr>
+              <a:t> </a:t>
+            </a:r>
+            <a:r>
+              <a:rPr lang="tr-TR" sz="4000" b="1" cap="none" spc="0" dirty="0" err="1" smtClean="0">
+                <a:ln w="11430"/>
+                <a:gradFill>
+                  <a:gsLst>
+                    <a:gs pos="0">
+                      <a:schemeClr val="accent2">
+                        <a:tint val="70000"/>
+                        <a:satMod val="245000"/>
+                      </a:schemeClr>
+                    </a:gs>
+                    <a:gs pos="75000">
+                      <a:schemeClr val="accent2">
+                        <a:tint val="90000"/>
+                        <a:shade val="60000"/>
+                        <a:satMod val="240000"/>
+                      </a:schemeClr>
+                    </a:gs>
+                    <a:gs pos="100000">
+                      <a:schemeClr val="accent2">
+                        <a:tint val="100000"/>
+                        <a:shade val="50000"/>
+                        <a:satMod val="240000"/>
+                      </a:schemeClr>
+                    </a:gs>
+                  </a:gsLst>
+                  <a:lin ang="5400000"/>
+                </a:gradFill>
+                <a:effectLst>
+                  <a:outerShdw blurRad="50800" dist="39000" dir="5460000" algn="tl">
+                    <a:srgbClr val="000000">
+                      <a:alpha val="38000"/>
+                    </a:srgbClr>
+                  </a:outerShdw>
+                </a:effectLst>
+              </a:rPr>
+              <a:t>and</a:t>
+            </a:r>
+            <a:r>
+              <a:rPr lang="tr-TR" sz="4000" b="1" cap="none" spc="0" dirty="0" smtClean="0">
+                <a:ln w="11430"/>
+                <a:gradFill>
+                  <a:gsLst>
+                    <a:gs pos="0">
+                      <a:schemeClr val="accent2">
+                        <a:tint val="70000"/>
+                        <a:satMod val="245000"/>
+                      </a:schemeClr>
+                    </a:gs>
+                    <a:gs pos="75000">
+                      <a:schemeClr val="accent2">
+                        <a:tint val="90000"/>
+                        <a:shade val="60000"/>
+                        <a:satMod val="240000"/>
+                      </a:schemeClr>
+                    </a:gs>
+                    <a:gs pos="100000">
+                      <a:schemeClr val="accent2">
+                        <a:tint val="100000"/>
+                        <a:shade val="50000"/>
+                        <a:satMod val="240000"/>
+                      </a:schemeClr>
+                    </a:gs>
+                  </a:gsLst>
+                  <a:lin ang="5400000"/>
+                </a:gradFill>
+                <a:effectLst>
+                  <a:outerShdw blurRad="50800" dist="39000" dir="5460000" algn="tl">
+                    <a:srgbClr val="000000">
+                      <a:alpha val="38000"/>
+                    </a:srgbClr>
+                  </a:outerShdw>
+                </a:effectLst>
+              </a:rPr>
+              <a:t> </a:t>
+            </a:r>
+            <a:r>
+              <a:rPr lang="tr-TR" sz="4000" b="1" cap="none" spc="0" dirty="0" err="1" smtClean="0">
+                <a:ln w="11430"/>
+                <a:gradFill>
+                  <a:gsLst>
+                    <a:gs pos="0">
+                      <a:schemeClr val="accent2">
+                        <a:tint val="70000"/>
+                        <a:satMod val="245000"/>
+                      </a:schemeClr>
+                    </a:gs>
+                    <a:gs pos="75000">
+                      <a:schemeClr val="accent2">
+                        <a:tint val="90000"/>
+                        <a:shade val="60000"/>
+                        <a:satMod val="240000"/>
+                      </a:schemeClr>
+                    </a:gs>
+                    <a:gs pos="100000">
+                      <a:schemeClr val="accent2">
+                        <a:tint val="100000"/>
+                        <a:shade val="50000"/>
+                        <a:satMod val="240000"/>
+                      </a:schemeClr>
+                    </a:gs>
+                  </a:gsLst>
+                  <a:lin ang="5400000"/>
+                </a:gradFill>
+                <a:effectLst>
+                  <a:outerShdw blurRad="50800" dist="39000" dir="5460000" algn="tl">
+                    <a:srgbClr val="000000">
+                      <a:alpha val="38000"/>
+                    </a:srgbClr>
+                  </a:outerShdw>
+                </a:effectLst>
+              </a:rPr>
+              <a:t>Setter</a:t>
+            </a:r>
+            <a:endParaRPr lang="tr-TR" sz="4000" b="1" cap="none" spc="0" dirty="0">
+              <a:ln w="11430"/>
+              <a:gradFill>
+                <a:gsLst>
+                  <a:gs pos="0">
+                    <a:schemeClr val="accent2">
+                      <a:tint val="70000"/>
+                      <a:satMod val="245000"/>
+                    </a:schemeClr>
+                  </a:gs>
+                  <a:gs pos="75000">
+                    <a:schemeClr val="accent2">
+                      <a:tint val="90000"/>
+                      <a:shade val="60000"/>
+                      <a:satMod val="240000"/>
+                    </a:schemeClr>
+                  </a:gs>
+                  <a:gs pos="100000">
+                    <a:schemeClr val="accent2">
+                      <a:tint val="100000"/>
+                      <a:shade val="50000"/>
+                      <a:satMod val="240000"/>
+                    </a:schemeClr>
+                  </a:gs>
+                </a:gsLst>
+                <a:lin ang="5400000"/>
+              </a:gradFill>
+              <a:effectLst>
+                <a:outerShdw blurRad="50800" dist="39000" dir="5460000" algn="tl">
+                  <a:srgbClr val="000000">
+                    <a:alpha val="38000"/>
+                  </a:srgbClr>
+                </a:outerShdw>
+              </a:effectLst>
+            </a:endParaRPr>
+          </a:p>
+        </p:txBody>
+      </p:sp>
+      <p:sp>
+        <p:nvSpPr>
+          <p:cNvPr id="10" name="9 Sağ Ok"/>
+          <p:cNvSpPr/>
+          <p:nvPr/>
+        </p:nvSpPr>
+        <p:spPr>
+          <a:xfrm>
+            <a:off x="2411760" y="1844824"/>
+            <a:ext cx="3816424" cy="288032"/>
+          </a:xfrm>
+          <a:prstGeom prst="rightArrow">
+            <a:avLst/>
+          </a:prstGeom>
+        </p:spPr>
+        <p:style>
+          <a:lnRef idx="2">
+            <a:schemeClr val="accent1">
+              <a:shade val="50000"/>
+            </a:schemeClr>
+          </a:lnRef>
+          <a:fillRef idx="1">
+            <a:schemeClr val="accent1"/>
+          </a:fillRef>
+          <a:effectRef idx="0">
+            <a:schemeClr val="accent1"/>
+          </a:effectRef>
+          <a:fontRef idx="minor">
+            <a:schemeClr val="lt1"/>
+          </a:fontRef>
+        </p:style>
+        <p:txBody>
+          <a:bodyPr rtlCol="0" anchor="ctr"/>
+          <a:lstStyle/>
+          <a:p>
+            <a:pPr algn="ctr"/>
+            <a:endParaRPr lang="tr-TR"/>
+          </a:p>
+        </p:txBody>
+      </p:sp>
+      <p:sp>
+        <p:nvSpPr>
+          <p:cNvPr id="11" name="10 Sağ Ok"/>
+          <p:cNvSpPr/>
+          <p:nvPr/>
+        </p:nvSpPr>
+        <p:spPr>
+          <a:xfrm>
+            <a:off x="2411760" y="2708920"/>
+            <a:ext cx="3816424" cy="288032"/>
+          </a:xfrm>
+          <a:prstGeom prst="rightArrow">
+            <a:avLst/>
+          </a:prstGeom>
+        </p:spPr>
+        <p:style>
+          <a:lnRef idx="2">
+            <a:schemeClr val="accent1">
+              <a:shade val="50000"/>
+            </a:schemeClr>
+          </a:lnRef>
+          <a:fillRef idx="1">
+            <a:schemeClr val="accent1"/>
+          </a:fillRef>
+          <a:effectRef idx="0">
+            <a:schemeClr val="accent1"/>
+          </a:effectRef>
+          <a:fontRef idx="minor">
+            <a:schemeClr val="lt1"/>
+          </a:fontRef>
+        </p:style>
+        <p:txBody>
+          <a:bodyPr rtlCol="0" anchor="ctr"/>
+          <a:lstStyle/>
+          <a:p>
+            <a:pPr algn="ctr"/>
+            <a:endParaRPr lang="tr-TR"/>
+          </a:p>
+        </p:txBody>
+      </p:sp>
+      <p:sp>
+        <p:nvSpPr>
+          <p:cNvPr id="12" name="11 Sağ Ok"/>
+          <p:cNvSpPr/>
+          <p:nvPr/>
+        </p:nvSpPr>
+        <p:spPr>
+          <a:xfrm>
+            <a:off x="3995936" y="5301208"/>
+            <a:ext cx="2664296" cy="288032"/>
+          </a:xfrm>
+          <a:prstGeom prst="rightArrow">
+            <a:avLst/>
+          </a:prstGeom>
+        </p:spPr>
+        <p:style>
+          <a:lnRef idx="2">
+            <a:schemeClr val="accent1">
+              <a:shade val="50000"/>
+            </a:schemeClr>
+          </a:lnRef>
+          <a:fillRef idx="1">
+            <a:schemeClr val="accent1"/>
+          </a:fillRef>
+          <a:effectRef idx="0">
+            <a:schemeClr val="accent1"/>
+          </a:effectRef>
+          <a:fontRef idx="minor">
+            <a:schemeClr val="lt1"/>
+          </a:fontRef>
+        </p:style>
+        <p:txBody>
+          <a:bodyPr rtlCol="0" anchor="ctr"/>
+          <a:lstStyle/>
+          <a:p>
+            <a:pPr algn="ctr"/>
+            <a:endParaRPr lang="tr-TR"/>
+          </a:p>
+        </p:txBody>
+      </p:sp>
+    </p:spTree>
+  </p:cSld>
+  <p:clrMapOvr>
+    <a:masterClrMapping/>
+  </p:clrMapOvr>
+</p:sld>
+</file>
+
+<file path=ppt/slides/slide4.xml><?xml version="1.0" encoding="utf-8"?>
+<p:sld xmlns:a="http://schemas.openxmlformats.org/drawingml/2006/main" xmlns:r="http://schemas.openxmlformats.org/officeDocument/2006/relationships" xmlns:p="http://schemas.openxmlformats.org/presentationml/2006/main">
+  <p:cSld>
+    <p:spTree>
+      <p:nvGrpSpPr>
+        <p:cNvPr id="1" name=""/>
+        <p:cNvGrpSpPr/>
+        <p:nvPr/>
+      </p:nvGrpSpPr>
+      <p:grpSpPr>
+        <a:xfrm>
+          <a:off x="0" y="0"/>
+          <a:ext cx="0" cy="0"/>
+          <a:chOff x="0" y="0"/>
+          <a:chExt cx="0" cy="0"/>
+        </a:xfrm>
+      </p:grpSpPr>
+      <p:sp>
+        <p:nvSpPr>
+          <p:cNvPr id="4" name="3 Dikdörtgen"/>
+          <p:cNvSpPr/>
+          <p:nvPr/>
+        </p:nvSpPr>
+        <p:spPr>
+          <a:xfrm>
+            <a:off x="1115616" y="-171400"/>
+            <a:ext cx="6840760" cy="923330"/>
+          </a:xfrm>
+          <a:prstGeom prst="rect">
+            <a:avLst/>
+          </a:prstGeom>
+          <a:noFill/>
+        </p:spPr>
+        <p:txBody>
+          <a:bodyPr wrap="square" lIns="91440" tIns="45720" rIns="91440" bIns="45720">
+            <a:spAutoFit/>
+            <a:scene3d>
+              <a:camera prst="orthographicFront"/>
+              <a:lightRig rig="flat" dir="tl">
+                <a:rot lat="0" lon="0" rev="6600000"/>
+              </a:lightRig>
+            </a:scene3d>
+            <a:sp3d extrusionH="25400" contourW="8890">
+              <a:bevelT w="38100" h="31750"/>
+              <a:contourClr>
+                <a:schemeClr val="accent2">
+                  <a:shade val="75000"/>
+                </a:schemeClr>
+              </a:contourClr>
+            </a:sp3d>
+          </a:bodyPr>
+          <a:lstStyle/>
+          <a:p>
+            <a:pPr algn="ctr"/>
+            <a:r>
+              <a:rPr lang="tr-TR" sz="5400" b="1" cap="none" spc="0" dirty="0" smtClean="0">
+                <a:ln w="11430"/>
+                <a:gradFill>
+                  <a:gsLst>
+                    <a:gs pos="0">
+                      <a:schemeClr val="accent2">
+                        <a:tint val="70000"/>
+                        <a:satMod val="245000"/>
+                      </a:schemeClr>
+                    </a:gs>
+                    <a:gs pos="75000">
+                      <a:schemeClr val="accent2">
+                        <a:tint val="90000"/>
+                        <a:shade val="60000"/>
+                        <a:satMod val="240000"/>
+                      </a:schemeClr>
+                    </a:gs>
+                    <a:gs pos="100000">
+                      <a:schemeClr val="accent2">
+                        <a:tint val="100000"/>
+                        <a:shade val="50000"/>
+                        <a:satMod val="240000"/>
+                      </a:schemeClr>
+                    </a:gs>
+                  </a:gsLst>
+                  <a:lin ang="5400000"/>
+                </a:gradFill>
+                <a:effectLst>
+                  <a:outerShdw blurRad="50800" dist="39000" dir="5460000" algn="tl">
+                    <a:srgbClr val="000000">
+                      <a:alpha val="38000"/>
+                    </a:srgbClr>
+                  </a:outerShdw>
+                </a:effectLst>
+              </a:rPr>
+              <a:t>GAME CLASS</a:t>
+            </a:r>
+            <a:endParaRPr lang="tr-TR" sz="5400" b="1" cap="none" spc="0" dirty="0">
+              <a:ln w="11430"/>
+              <a:gradFill>
+                <a:gsLst>
+                  <a:gs pos="0">
+                    <a:schemeClr val="accent2">
+                      <a:tint val="70000"/>
+                      <a:satMod val="245000"/>
+                    </a:schemeClr>
+                  </a:gs>
+                  <a:gs pos="75000">
+                    <a:schemeClr val="accent2">
+                      <a:tint val="90000"/>
+                      <a:shade val="60000"/>
+                      <a:satMod val="240000"/>
+                    </a:schemeClr>
+                  </a:gs>
+                  <a:gs pos="100000">
+                    <a:schemeClr val="accent2">
+                      <a:tint val="100000"/>
+                      <a:shade val="50000"/>
+                      <a:satMod val="240000"/>
+                    </a:schemeClr>
+                  </a:gs>
+                </a:gsLst>
+                <a:lin ang="5400000"/>
+              </a:gradFill>
+              <a:effectLst>
+                <a:outerShdw blurRad="50800" dist="39000" dir="5460000" algn="tl">
+                  <a:srgbClr val="000000">
+                    <a:alpha val="38000"/>
+                  </a:srgbClr>
+                </a:outerShdw>
+              </a:effectLst>
+            </a:endParaRPr>
+          </a:p>
+        </p:txBody>
+      </p:sp>
+      <p:sp>
+        <p:nvSpPr>
+          <p:cNvPr id="8" name="7 Dikdörtgen"/>
+          <p:cNvSpPr/>
+          <p:nvPr/>
+        </p:nvSpPr>
+        <p:spPr>
+          <a:xfrm>
+            <a:off x="6012160" y="1556792"/>
+            <a:ext cx="2952328" cy="707886"/>
+          </a:xfrm>
+          <a:prstGeom prst="rect">
+            <a:avLst/>
+          </a:prstGeom>
+          <a:noFill/>
+        </p:spPr>
+        <p:txBody>
+          <a:bodyPr wrap="square" lIns="91440" tIns="45720" rIns="91440" bIns="45720">
+            <a:spAutoFit/>
+            <a:scene3d>
+              <a:camera prst="orthographicFront"/>
+              <a:lightRig rig="flat" dir="tl">
+                <a:rot lat="0" lon="0" rev="6600000"/>
+              </a:lightRig>
+            </a:scene3d>
+            <a:sp3d extrusionH="25400" contourW="8890">
+              <a:bevelT w="38100" h="31750"/>
+              <a:contourClr>
+                <a:schemeClr val="accent2">
+                  <a:shade val="75000"/>
+                </a:schemeClr>
+              </a:contourClr>
+            </a:sp3d>
+          </a:bodyPr>
+          <a:lstStyle/>
+          <a:p>
+            <a:pPr algn="ctr"/>
+            <a:r>
+              <a:rPr lang="tr-TR" sz="4000" b="1" dirty="0" err="1" smtClean="0">
+                <a:ln w="11430"/>
+                <a:gradFill>
+                  <a:gsLst>
+                    <a:gs pos="0">
+                      <a:schemeClr val="accent2">
+                        <a:tint val="70000"/>
+                        <a:satMod val="245000"/>
+                      </a:schemeClr>
+                    </a:gs>
+                    <a:gs pos="75000">
+                      <a:schemeClr val="accent2">
+                        <a:tint val="90000"/>
+                        <a:shade val="60000"/>
+                        <a:satMod val="240000"/>
+                      </a:schemeClr>
+                    </a:gs>
+                    <a:gs pos="100000">
+                      <a:schemeClr val="accent2">
+                        <a:tint val="100000"/>
+                        <a:shade val="50000"/>
+                        <a:satMod val="240000"/>
+                      </a:schemeClr>
+                    </a:gs>
+                  </a:gsLst>
+                  <a:lin ang="5400000"/>
+                </a:gradFill>
+                <a:effectLst>
+                  <a:outerShdw blurRad="50800" dist="39000" dir="5460000" algn="tl">
+                    <a:srgbClr val="000000">
+                      <a:alpha val="38000"/>
+                    </a:srgbClr>
+                  </a:outerShdw>
+                </a:effectLst>
+              </a:rPr>
+              <a:t>Taking</a:t>
+            </a:r>
+            <a:r>
+              <a:rPr lang="tr-TR" sz="4000" b="1" dirty="0" smtClean="0">
+                <a:ln w="11430"/>
+                <a:gradFill>
+                  <a:gsLst>
+                    <a:gs pos="0">
+                      <a:schemeClr val="accent2">
+                        <a:tint val="70000"/>
+                        <a:satMod val="245000"/>
+                      </a:schemeClr>
+                    </a:gs>
+                    <a:gs pos="75000">
+                      <a:schemeClr val="accent2">
+                        <a:tint val="90000"/>
+                        <a:shade val="60000"/>
+                        <a:satMod val="240000"/>
+                      </a:schemeClr>
+                    </a:gs>
+                    <a:gs pos="100000">
+                      <a:schemeClr val="accent2">
+                        <a:tint val="100000"/>
+                        <a:shade val="50000"/>
+                        <a:satMod val="240000"/>
+                      </a:schemeClr>
+                    </a:gs>
+                  </a:gsLst>
+                  <a:lin ang="5400000"/>
+                </a:gradFill>
+                <a:effectLst>
+                  <a:outerShdw blurRad="50800" dist="39000" dir="5460000" algn="tl">
+                    <a:srgbClr val="000000">
+                      <a:alpha val="38000"/>
+                    </a:srgbClr>
+                  </a:outerShdw>
+                </a:effectLst>
+              </a:rPr>
+              <a:t> </a:t>
+            </a:r>
+            <a:r>
+              <a:rPr lang="tr-TR" sz="4000" b="1" dirty="0" err="1" smtClean="0">
+                <a:ln w="11430"/>
+                <a:gradFill>
+                  <a:gsLst>
+                    <a:gs pos="0">
+                      <a:schemeClr val="accent2">
+                        <a:tint val="70000"/>
+                        <a:satMod val="245000"/>
+                      </a:schemeClr>
+                    </a:gs>
+                    <a:gs pos="75000">
+                      <a:schemeClr val="accent2">
+                        <a:tint val="90000"/>
+                        <a:shade val="60000"/>
+                        <a:satMod val="240000"/>
+                      </a:schemeClr>
+                    </a:gs>
+                    <a:gs pos="100000">
+                      <a:schemeClr val="accent2">
+                        <a:tint val="100000"/>
+                        <a:shade val="50000"/>
+                        <a:satMod val="240000"/>
+                      </a:schemeClr>
+                    </a:gs>
+                  </a:gsLst>
+                  <a:lin ang="5400000"/>
+                </a:gradFill>
+                <a:effectLst>
+                  <a:outerShdw blurRad="50800" dist="39000" dir="5460000" algn="tl">
+                    <a:srgbClr val="000000">
+                      <a:alpha val="38000"/>
+                    </a:srgbClr>
+                  </a:outerShdw>
+                </a:effectLst>
+              </a:rPr>
+              <a:t>Imput</a:t>
+            </a:r>
+            <a:endParaRPr lang="tr-TR" sz="4000" b="1" cap="none" spc="0" dirty="0">
+              <a:ln w="11430"/>
+              <a:gradFill>
+                <a:gsLst>
+                  <a:gs pos="0">
+                    <a:schemeClr val="accent2">
+                      <a:tint val="70000"/>
+                      <a:satMod val="245000"/>
+                    </a:schemeClr>
+                  </a:gs>
+                  <a:gs pos="75000">
+                    <a:schemeClr val="accent2">
+                      <a:tint val="90000"/>
+                      <a:shade val="60000"/>
+                      <a:satMod val="240000"/>
+                    </a:schemeClr>
+                  </a:gs>
+                  <a:gs pos="100000">
+                    <a:schemeClr val="accent2">
+                      <a:tint val="100000"/>
+                      <a:shade val="50000"/>
+                      <a:satMod val="240000"/>
+                    </a:schemeClr>
+                  </a:gs>
+                </a:gsLst>
+                <a:lin ang="5400000"/>
+              </a:gradFill>
+              <a:effectLst>
+                <a:outerShdw blurRad="50800" dist="39000" dir="5460000" algn="tl">
+                  <a:srgbClr val="000000">
+                    <a:alpha val="38000"/>
+                  </a:srgbClr>
+                </a:outerShdw>
+              </a:effectLst>
+            </a:endParaRPr>
+          </a:p>
+        </p:txBody>
+      </p:sp>
+      <p:sp>
+        <p:nvSpPr>
+          <p:cNvPr id="9" name="8 Dikdörtgen"/>
+          <p:cNvSpPr/>
+          <p:nvPr/>
+        </p:nvSpPr>
+        <p:spPr>
+          <a:xfrm>
+            <a:off x="6191672" y="4653136"/>
+            <a:ext cx="2952328" cy="707886"/>
+          </a:xfrm>
+          <a:prstGeom prst="rect">
+            <a:avLst/>
+          </a:prstGeom>
+          <a:noFill/>
+        </p:spPr>
+        <p:txBody>
+          <a:bodyPr wrap="square" lIns="91440" tIns="45720" rIns="91440" bIns="45720">
+            <a:spAutoFit/>
+            <a:scene3d>
+              <a:camera prst="orthographicFront"/>
+              <a:lightRig rig="flat" dir="tl">
+                <a:rot lat="0" lon="0" rev="6600000"/>
+              </a:lightRig>
+            </a:scene3d>
+            <a:sp3d extrusionH="25400" contourW="8890">
+              <a:bevelT w="38100" h="31750"/>
+              <a:contourClr>
+                <a:schemeClr val="accent2">
+                  <a:shade val="75000"/>
+                </a:schemeClr>
+              </a:contourClr>
+            </a:sp3d>
+          </a:bodyPr>
+          <a:lstStyle/>
+          <a:p>
+            <a:pPr algn="ctr"/>
+            <a:r>
+              <a:rPr lang="tr-TR" sz="4000" b="1" cap="none" spc="0" dirty="0" err="1" smtClean="0">
+                <a:ln w="11430"/>
+                <a:gradFill>
+                  <a:gsLst>
+                    <a:gs pos="0">
+                      <a:schemeClr val="accent2">
+                        <a:tint val="70000"/>
+                        <a:satMod val="245000"/>
+                      </a:schemeClr>
+                    </a:gs>
+                    <a:gs pos="75000">
+                      <a:schemeClr val="accent2">
+                        <a:tint val="90000"/>
+                        <a:shade val="60000"/>
+                        <a:satMod val="240000"/>
+                      </a:schemeClr>
+                    </a:gs>
+                    <a:gs pos="100000">
+                      <a:schemeClr val="accent2">
+                        <a:tint val="100000"/>
+                        <a:shade val="50000"/>
+                        <a:satMod val="240000"/>
+                      </a:schemeClr>
+                    </a:gs>
+                  </a:gsLst>
+                  <a:lin ang="5400000"/>
+                </a:gradFill>
+                <a:effectLst>
+                  <a:outerShdw blurRad="50800" dist="39000" dir="5460000" algn="tl">
+                    <a:srgbClr val="000000">
+                      <a:alpha val="38000"/>
+                    </a:srgbClr>
+                  </a:outerShdw>
+                </a:effectLst>
+              </a:rPr>
+              <a:t>Switch</a:t>
+            </a:r>
+            <a:r>
+              <a:rPr lang="tr-TR" sz="4000" b="1" cap="none" spc="0" dirty="0" smtClean="0">
+                <a:ln w="11430"/>
+                <a:gradFill>
+                  <a:gsLst>
+                    <a:gs pos="0">
+                      <a:schemeClr val="accent2">
+                        <a:tint val="70000"/>
+                        <a:satMod val="245000"/>
+                      </a:schemeClr>
+                    </a:gs>
+                    <a:gs pos="75000">
+                      <a:schemeClr val="accent2">
+                        <a:tint val="90000"/>
+                        <a:shade val="60000"/>
+                        <a:satMod val="240000"/>
+                      </a:schemeClr>
+                    </a:gs>
+                    <a:gs pos="100000">
+                      <a:schemeClr val="accent2">
+                        <a:tint val="100000"/>
+                        <a:shade val="50000"/>
+                        <a:satMod val="240000"/>
+                      </a:schemeClr>
+                    </a:gs>
+                  </a:gsLst>
+                  <a:lin ang="5400000"/>
+                </a:gradFill>
+                <a:effectLst>
+                  <a:outerShdw blurRad="50800" dist="39000" dir="5460000" algn="tl">
+                    <a:srgbClr val="000000">
+                      <a:alpha val="38000"/>
+                    </a:srgbClr>
+                  </a:outerShdw>
+                </a:effectLst>
+              </a:rPr>
+              <a:t> </a:t>
+            </a:r>
+            <a:r>
+              <a:rPr lang="tr-TR" sz="4000" b="1" cap="none" spc="0" dirty="0" err="1" smtClean="0">
+                <a:ln w="11430"/>
+                <a:gradFill>
+                  <a:gsLst>
+                    <a:gs pos="0">
+                      <a:schemeClr val="accent2">
+                        <a:tint val="70000"/>
+                        <a:satMod val="245000"/>
+                      </a:schemeClr>
+                    </a:gs>
+                    <a:gs pos="75000">
+                      <a:schemeClr val="accent2">
+                        <a:tint val="90000"/>
+                        <a:shade val="60000"/>
+                        <a:satMod val="240000"/>
+                      </a:schemeClr>
+                    </a:gs>
+                    <a:gs pos="100000">
+                      <a:schemeClr val="accent2">
+                        <a:tint val="100000"/>
+                        <a:shade val="50000"/>
+                        <a:satMod val="240000"/>
+                      </a:schemeClr>
+                    </a:gs>
+                  </a:gsLst>
+                  <a:lin ang="5400000"/>
+                </a:gradFill>
+                <a:effectLst>
+                  <a:outerShdw blurRad="50800" dist="39000" dir="5460000" algn="tl">
+                    <a:srgbClr val="000000">
+                      <a:alpha val="38000"/>
+                    </a:srgbClr>
+                  </a:outerShdw>
+                </a:effectLst>
+              </a:rPr>
+              <a:t>Case</a:t>
+            </a:r>
+            <a:endParaRPr lang="tr-TR" sz="4000" b="1" cap="none" spc="0" dirty="0">
+              <a:ln w="11430"/>
+              <a:gradFill>
+                <a:gsLst>
+                  <a:gs pos="0">
+                    <a:schemeClr val="accent2">
+                      <a:tint val="70000"/>
+                      <a:satMod val="245000"/>
+                    </a:schemeClr>
+                  </a:gs>
+                  <a:gs pos="75000">
+                    <a:schemeClr val="accent2">
+                      <a:tint val="90000"/>
+                      <a:shade val="60000"/>
+                      <a:satMod val="240000"/>
+                    </a:schemeClr>
+                  </a:gs>
+                  <a:gs pos="100000">
+                    <a:schemeClr val="accent2">
+                      <a:tint val="100000"/>
+                      <a:shade val="50000"/>
+                      <a:satMod val="240000"/>
+                    </a:schemeClr>
+                  </a:gs>
+                </a:gsLst>
+                <a:lin ang="5400000"/>
+              </a:gradFill>
+              <a:effectLst>
+                <a:outerShdw blurRad="50800" dist="39000" dir="5460000" algn="tl">
+                  <a:srgbClr val="000000">
+                    <a:alpha val="38000"/>
+                  </a:srgbClr>
+                </a:outerShdw>
+              </a:effectLst>
+            </a:endParaRPr>
+          </a:p>
+        </p:txBody>
+      </p:sp>
+      <p:pic>
+        <p:nvPicPr>
+          <p:cNvPr id="2050" name="Picture 2"/>
+          <p:cNvPicPr>
+            <a:picLocks noChangeAspect="1" noChangeArrowheads="1"/>
+          </p:cNvPicPr>
+          <p:nvPr/>
+        </p:nvPicPr>
+        <p:blipFill>
+          <a:blip r:embed="rId1" cstate="print"/>
+          <a:srcRect/>
+          <a:stretch>
+            <a:fillRect/>
+          </a:stretch>
+        </p:blipFill>
+        <p:spPr bwMode="auto">
+          <a:xfrm>
+            <a:off x="0" y="908720"/>
+            <a:ext cx="4355976" cy="2262507"/>
+          </a:xfrm>
+          <a:prstGeom prst="rect">
+            <a:avLst/>
+          </a:prstGeom>
+          <a:noFill/>
+          <a:ln w="9525">
+            <a:noFill/>
+            <a:miter lim="800000"/>
+            <a:headEnd/>
+            <a:tailEnd/>
+          </a:ln>
+        </p:spPr>
+      </p:pic>
+      <p:pic>
+        <p:nvPicPr>
+          <p:cNvPr id="2051" name="Picture 3"/>
+          <p:cNvPicPr>
+            <a:picLocks noChangeAspect="1" noChangeArrowheads="1"/>
+          </p:cNvPicPr>
+          <p:nvPr/>
+        </p:nvPicPr>
+        <p:blipFill>
+          <a:blip r:embed="rId2" cstate="print"/>
+          <a:srcRect/>
+          <a:stretch>
+            <a:fillRect/>
+          </a:stretch>
+        </p:blipFill>
+        <p:spPr bwMode="auto">
+          <a:xfrm>
+            <a:off x="0" y="3212976"/>
+            <a:ext cx="4355976" cy="3645024"/>
+          </a:xfrm>
+          <a:prstGeom prst="rect">
+            <a:avLst/>
+          </a:prstGeom>
+          <a:noFill/>
+          <a:ln w="9525">
+            <a:noFill/>
+            <a:miter lim="800000"/>
+            <a:headEnd/>
+            <a:tailEnd/>
+          </a:ln>
+        </p:spPr>
+      </p:pic>
+      <p:sp>
+        <p:nvSpPr>
+          <p:cNvPr id="13" name="12 Sağ Ok"/>
+          <p:cNvSpPr/>
+          <p:nvPr/>
+        </p:nvSpPr>
+        <p:spPr>
+          <a:xfrm>
+            <a:off x="2627784" y="1772816"/>
+            <a:ext cx="3384376" cy="216024"/>
+          </a:xfrm>
+          <a:prstGeom prst="rightArrow">
+            <a:avLst/>
+          </a:prstGeom>
+        </p:spPr>
+        <p:style>
+          <a:lnRef idx="2">
+            <a:schemeClr val="accent1">
+              <a:shade val="50000"/>
+            </a:schemeClr>
+          </a:lnRef>
+          <a:fillRef idx="1">
+            <a:schemeClr val="accent1"/>
+          </a:fillRef>
+          <a:effectRef idx="0">
+            <a:schemeClr val="accent1"/>
+          </a:effectRef>
+          <a:fontRef idx="minor">
+            <a:schemeClr val="lt1"/>
+          </a:fontRef>
+        </p:style>
+        <p:txBody>
+          <a:bodyPr rtlCol="0" anchor="ctr"/>
+          <a:lstStyle/>
+          <a:p>
+            <a:pPr algn="ctr"/>
+            <a:endParaRPr lang="tr-TR"/>
+          </a:p>
+        </p:txBody>
+      </p:sp>
+      <p:sp>
+        <p:nvSpPr>
+          <p:cNvPr id="14" name="13 Sağ Ok"/>
+          <p:cNvSpPr/>
+          <p:nvPr/>
+        </p:nvSpPr>
+        <p:spPr>
+          <a:xfrm>
+            <a:off x="2771800" y="4941168"/>
+            <a:ext cx="3384376" cy="216024"/>
+          </a:xfrm>
+          <a:prstGeom prst="rightArrow">
+            <a:avLst/>
+          </a:prstGeom>
+        </p:spPr>
+        <p:style>
+          <a:lnRef idx="2">
+            <a:schemeClr val="accent1">
+              <a:shade val="50000"/>
+            </a:schemeClr>
+          </a:lnRef>
+          <a:fillRef idx="1">
+            <a:schemeClr val="accent1"/>
+          </a:fillRef>
+          <a:effectRef idx="0">
+            <a:schemeClr val="accent1"/>
+          </a:effectRef>
+          <a:fontRef idx="minor">
+            <a:schemeClr val="lt1"/>
+          </a:fontRef>
+        </p:style>
+        <p:txBody>
+          <a:bodyPr rtlCol="0" anchor="ctr"/>
+          <a:lstStyle/>
+          <a:p>
+            <a:pPr algn="ctr"/>
+            <a:endParaRPr lang="tr-TR"/>
+          </a:p>
+        </p:txBody>
+      </p:sp>
+    </p:spTree>
+  </p:cSld>
+  <p:clrMapOvr>
+    <a:masterClrMapping/>
+  </p:clrMapOvr>
+</p:sld>
+</file>
+
+<file path=ppt/slides/slide5.xml><?xml version="1.0" encoding="utf-8"?>
+<p:sld xmlns:a="http://schemas.openxmlformats.org/drawingml/2006/main" xmlns:r="http://schemas.openxmlformats.org/officeDocument/2006/relationships" xmlns:p="http://schemas.openxmlformats.org/presentationml/2006/main">
+  <p:cSld>
+    <p:spTree>
+      <p:nvGrpSpPr>
+        <p:cNvPr id="1" name=""/>
+        <p:cNvGrpSpPr/>
+        <p:nvPr/>
+      </p:nvGrpSpPr>
+      <p:grpSpPr>
+        <a:xfrm>
+          <a:off x="0" y="0"/>
+          <a:ext cx="0" cy="0"/>
+          <a:chOff x="0" y="0"/>
+          <a:chExt cx="0" cy="0"/>
+        </a:xfrm>
+      </p:grpSpPr>
+      <p:sp>
+        <p:nvSpPr>
+          <p:cNvPr id="4" name="3 Dikdörtgen"/>
+          <p:cNvSpPr/>
+          <p:nvPr/>
+        </p:nvSpPr>
+        <p:spPr>
+          <a:xfrm>
+            <a:off x="4067944" y="116632"/>
+            <a:ext cx="4968552" cy="2862322"/>
+          </a:xfrm>
+          <a:prstGeom prst="rect">
+            <a:avLst/>
+          </a:prstGeom>
+          <a:noFill/>
+        </p:spPr>
+        <p:txBody>
+          <a:bodyPr wrap="square" lIns="91440" tIns="45720" rIns="91440" bIns="45720">
+            <a:spAutoFit/>
+            <a:scene3d>
+              <a:camera prst="orthographicFront"/>
+              <a:lightRig rig="flat" dir="tl">
+                <a:rot lat="0" lon="0" rev="6600000"/>
+              </a:lightRig>
+            </a:scene3d>
+            <a:sp3d extrusionH="25400" contourW="8890">
+              <a:bevelT w="38100" h="31750"/>
+              <a:contourClr>
+                <a:schemeClr val="accent2">
+                  <a:shade val="75000"/>
+                </a:schemeClr>
+              </a:contourClr>
+            </a:sp3d>
+          </a:bodyPr>
+          <a:lstStyle/>
+          <a:p>
+            <a:pPr algn="ctr"/>
+            <a:r>
+              <a:rPr lang="tr-TR" sz="6000" b="1" cap="none" spc="0" dirty="0" smtClean="0">
+                <a:ln w="11430"/>
+                <a:gradFill>
+                  <a:gsLst>
+                    <a:gs pos="0">
+                      <a:schemeClr val="accent2">
+                        <a:tint val="70000"/>
+                        <a:satMod val="245000"/>
+                      </a:schemeClr>
+                    </a:gs>
+                    <a:gs pos="75000">
+                      <a:schemeClr val="accent2">
+                        <a:tint val="90000"/>
+                        <a:shade val="60000"/>
+                        <a:satMod val="240000"/>
+                      </a:schemeClr>
+                    </a:gs>
+                    <a:gs pos="100000">
+                      <a:schemeClr val="accent2">
+                        <a:tint val="100000"/>
+                        <a:shade val="50000"/>
+                        <a:satMod val="240000"/>
+                      </a:schemeClr>
+                    </a:gs>
+                  </a:gsLst>
+                  <a:lin ang="5400000"/>
+                </a:gradFill>
+                <a:effectLst>
+                  <a:outerShdw blurRad="50800" dist="39000" dir="5460000" algn="tl">
+                    <a:srgbClr val="000000">
+                      <a:alpha val="38000"/>
+                    </a:srgbClr>
+                  </a:outerShdw>
+                </a:effectLst>
+              </a:rPr>
+              <a:t>LOCATION ABSTRACT CLASS</a:t>
+            </a:r>
+            <a:endParaRPr lang="tr-TR" sz="6000" b="1" cap="none" spc="0" dirty="0">
+              <a:ln w="11430"/>
+              <a:gradFill>
+                <a:gsLst>
+                  <a:gs pos="0">
+                    <a:schemeClr val="accent2">
+                      <a:tint val="70000"/>
+                      <a:satMod val="245000"/>
+                    </a:schemeClr>
+                  </a:gs>
+                  <a:gs pos="75000">
+                    <a:schemeClr val="accent2">
+                      <a:tint val="90000"/>
+                      <a:shade val="60000"/>
+                      <a:satMod val="240000"/>
+                    </a:schemeClr>
+                  </a:gs>
+                  <a:gs pos="100000">
+                    <a:schemeClr val="accent2">
+                      <a:tint val="100000"/>
+                      <a:shade val="50000"/>
+                      <a:satMod val="240000"/>
+                    </a:schemeClr>
+                  </a:gs>
+                </a:gsLst>
+                <a:lin ang="5400000"/>
+              </a:gradFill>
+              <a:effectLst>
+                <a:outerShdw blurRad="50800" dist="39000" dir="5460000" algn="tl">
+                  <a:srgbClr val="000000">
+                    <a:alpha val="38000"/>
+                  </a:srgbClr>
+                </a:outerShdw>
+              </a:effectLst>
+            </a:endParaRPr>
+          </a:p>
+        </p:txBody>
+      </p:sp>
+      <p:pic>
+        <p:nvPicPr>
+          <p:cNvPr id="3074" name="Picture 2"/>
+          <p:cNvPicPr>
+            <a:picLocks noChangeAspect="1" noChangeArrowheads="1"/>
+          </p:cNvPicPr>
+          <p:nvPr/>
+        </p:nvPicPr>
+        <p:blipFill>
+          <a:blip r:embed="rId1" cstate="print"/>
+          <a:srcRect/>
+          <a:stretch>
+            <a:fillRect/>
+          </a:stretch>
+        </p:blipFill>
+        <p:spPr bwMode="auto">
+          <a:xfrm>
+            <a:off x="0" y="3124495"/>
+            <a:ext cx="9144000" cy="3733506"/>
+          </a:xfrm>
+          <a:prstGeom prst="rect">
+            <a:avLst/>
+          </a:prstGeom>
+          <a:noFill/>
+          <a:ln w="9525">
+            <a:noFill/>
+            <a:miter lim="800000"/>
+            <a:headEnd/>
+            <a:tailEnd/>
+          </a:ln>
+        </p:spPr>
+      </p:pic>
+      <p:pic>
+        <p:nvPicPr>
+          <p:cNvPr id="3076" name="Picture 4" descr="Rules for Java Abstract class"/>
+          <p:cNvPicPr>
+            <a:picLocks noChangeAspect="1" noChangeArrowheads="1"/>
+          </p:cNvPicPr>
+          <p:nvPr/>
+        </p:nvPicPr>
+        <p:blipFill>
+          <a:blip r:embed="rId2" cstate="print"/>
+          <a:srcRect/>
+          <a:stretch>
+            <a:fillRect/>
+          </a:stretch>
+        </p:blipFill>
+        <p:spPr bwMode="auto">
+          <a:xfrm>
+            <a:off x="0" y="0"/>
+            <a:ext cx="3944044" cy="3140968"/>
+          </a:xfrm>
+          <a:prstGeom prst="rect">
+            <a:avLst/>
+          </a:prstGeom>
+          <a:noFill/>
+        </p:spPr>
+      </p:pic>
+    </p:spTree>
+  </p:cSld>
+  <p:clrMapOvr>
+    <a:masterClrMapping/>
+  </p:clrMapOvr>
+</p:sld>
+</file>
+
+<file path=ppt/slides/slide6.xml><?xml version="1.0" encoding="utf-8"?>
+<p:sld xmlns:a="http://schemas.openxmlformats.org/drawingml/2006/main" xmlns:r="http://schemas.openxmlformats.org/officeDocument/2006/relationships" xmlns:p="http://schemas.openxmlformats.org/presentationml/2006/main">
+  <p:cSld>
+    <p:spTree>
+      <p:nvGrpSpPr>
+        <p:cNvPr id="1" name=""/>
+        <p:cNvGrpSpPr/>
+        <p:nvPr/>
+      </p:nvGrpSpPr>
+      <p:grpSpPr>
+        <a:xfrm>
+          <a:off x="0" y="0"/>
+          <a:ext cx="0" cy="0"/>
+          <a:chOff x="0" y="0"/>
+          <a:chExt cx="0" cy="0"/>
+        </a:xfrm>
+      </p:grpSpPr>
+      <p:pic>
+        <p:nvPicPr>
+          <p:cNvPr id="5" name="Picture 5" descr="Pin on Game Logo"/>
+          <p:cNvPicPr>
+            <a:picLocks noChangeAspect="1" noChangeArrowheads="1"/>
+          </p:cNvPicPr>
+          <p:nvPr/>
+        </p:nvPicPr>
+        <p:blipFill>
+          <a:blip r:embed="rId1" cstate="print"/>
+          <a:srcRect t="21175" b="27800"/>
+          <a:stretch>
+            <a:fillRect/>
+          </a:stretch>
+        </p:blipFill>
+        <p:spPr bwMode="auto">
+          <a:xfrm>
+            <a:off x="2843808" y="0"/>
+            <a:ext cx="3330176" cy="1268760"/>
+          </a:xfrm>
+          <a:prstGeom prst="rect">
+            <a:avLst/>
+          </a:prstGeom>
+          <a:noFill/>
+        </p:spPr>
+      </p:pic>
+      <p:sp>
+        <p:nvSpPr>
+          <p:cNvPr id="6" name="5 Dikdörtgen"/>
+          <p:cNvSpPr/>
+          <p:nvPr/>
+        </p:nvSpPr>
+        <p:spPr>
+          <a:xfrm>
+            <a:off x="0" y="1196752"/>
+            <a:ext cx="9036496" cy="583565"/>
+          </a:xfrm>
+          <a:prstGeom prst="rect">
+            <a:avLst/>
+          </a:prstGeom>
+          <a:noFill/>
+        </p:spPr>
+        <p:txBody>
+          <a:bodyPr wrap="square" lIns="91440" tIns="45720" rIns="91440" bIns="45720">
+            <a:spAutoFit/>
+            <a:scene3d>
+              <a:camera prst="orthographicFront"/>
+              <a:lightRig rig="flat" dir="tl">
+                <a:rot lat="0" lon="0" rev="6600000"/>
+              </a:lightRig>
+            </a:scene3d>
+            <a:sp3d extrusionH="25400" contourW="8890">
+              <a:bevelT w="38100" h="31750"/>
+              <a:contourClr>
+                <a:schemeClr val="accent2">
+                  <a:shade val="75000"/>
+                </a:schemeClr>
+              </a:contourClr>
+            </a:sp3d>
+          </a:bodyPr>
+          <a:lstStyle/>
+          <a:p>
+            <a:pPr algn="ctr"/>
+            <a:r>
+              <a:rPr lang="tr-TR" sz="3200" b="1" dirty="0" smtClean="0">
+                <a:ln w="11430"/>
+                <a:gradFill>
+                  <a:gsLst>
+                    <a:gs pos="0">
+                      <a:schemeClr val="accent2">
+                        <a:tint val="70000"/>
+                        <a:satMod val="245000"/>
+                      </a:schemeClr>
+                    </a:gs>
+                    <a:gs pos="75000">
+                      <a:schemeClr val="accent2">
+                        <a:tint val="90000"/>
+                        <a:shade val="60000"/>
+                        <a:satMod val="240000"/>
+                      </a:schemeClr>
+                    </a:gs>
+                    <a:gs pos="100000">
+                      <a:schemeClr val="accent2">
+                        <a:tint val="100000"/>
+                        <a:shade val="50000"/>
+                        <a:satMod val="240000"/>
+                      </a:schemeClr>
+                    </a:gs>
+                  </a:gsLst>
+                  <a:lin ang="5400000"/>
+                </a:gradFill>
+                <a:effectLst>
+                  <a:outerShdw blurRad="50800" dist="39000" dir="5460000" algn="tl">
+                    <a:srgbClr val="000000">
+                      <a:alpha val="38000"/>
+                    </a:srgbClr>
+                  </a:outerShdw>
+                </a:effectLst>
+              </a:rPr>
+              <a:t>W</a:t>
+            </a:r>
+            <a:r>
+              <a:rPr lang="en-US" sz="3200" b="1" dirty="0" smtClean="0">
+                <a:ln w="11430"/>
+                <a:gradFill>
+                  <a:gsLst>
+                    <a:gs pos="0">
+                      <a:schemeClr val="accent2">
+                        <a:tint val="70000"/>
+                        <a:satMod val="245000"/>
+                      </a:schemeClr>
+                    </a:gs>
+                    <a:gs pos="75000">
+                      <a:schemeClr val="accent2">
+                        <a:tint val="90000"/>
+                        <a:shade val="60000"/>
+                        <a:satMod val="240000"/>
+                      </a:schemeClr>
+                    </a:gs>
+                    <a:gs pos="100000">
+                      <a:schemeClr val="accent2">
+                        <a:tint val="100000"/>
+                        <a:shade val="50000"/>
+                        <a:satMod val="240000"/>
+                      </a:schemeClr>
+                    </a:gs>
+                  </a:gsLst>
+                  <a:lin ang="5400000"/>
+                </a:gradFill>
+                <a:effectLst>
+                  <a:outerShdw blurRad="50800" dist="39000" dir="5460000" algn="tl">
+                    <a:srgbClr val="000000">
+                      <a:alpha val="38000"/>
+                    </a:srgbClr>
+                  </a:outerShdw>
+                </a:effectLst>
+              </a:rPr>
+              <a:t>hat is </a:t>
+            </a:r>
+            <a:r>
+              <a:rPr lang="tr-TR" sz="3200" b="1" dirty="0" smtClean="0">
+                <a:ln w="11430"/>
+                <a:gradFill>
+                  <a:gsLst>
+                    <a:gs pos="0">
+                      <a:schemeClr val="accent2">
+                        <a:tint val="70000"/>
+                        <a:satMod val="245000"/>
+                      </a:schemeClr>
+                    </a:gs>
+                    <a:gs pos="75000">
+                      <a:schemeClr val="accent2">
+                        <a:tint val="90000"/>
+                        <a:shade val="60000"/>
+                        <a:satMod val="240000"/>
+                      </a:schemeClr>
+                    </a:gs>
+                    <a:gs pos="100000">
+                      <a:schemeClr val="accent2">
+                        <a:tint val="100000"/>
+                        <a:shade val="50000"/>
+                        <a:satMod val="240000"/>
+                      </a:schemeClr>
+                    </a:gs>
+                  </a:gsLst>
+                  <a:lin ang="5400000"/>
+                </a:gradFill>
+                <a:effectLst>
+                  <a:outerShdw blurRad="50800" dist="39000" dir="5460000" algn="tl">
+                    <a:srgbClr val="000000">
+                      <a:alpha val="38000"/>
+                    </a:srgbClr>
+                  </a:outerShdw>
+                </a:effectLst>
+              </a:rPr>
+              <a:t>J</a:t>
+            </a:r>
+            <a:r>
+              <a:rPr lang="en-US" sz="3200" b="1" dirty="0" err="1" smtClean="0">
+                <a:ln w="11430"/>
+                <a:gradFill>
+                  <a:gsLst>
+                    <a:gs pos="0">
+                      <a:schemeClr val="accent2">
+                        <a:tint val="70000"/>
+                        <a:satMod val="245000"/>
+                      </a:schemeClr>
+                    </a:gs>
+                    <a:gs pos="75000">
+                      <a:schemeClr val="accent2">
+                        <a:tint val="90000"/>
+                        <a:shade val="60000"/>
+                        <a:satMod val="240000"/>
+                      </a:schemeClr>
+                    </a:gs>
+                    <a:gs pos="100000">
+                      <a:schemeClr val="accent2">
+                        <a:tint val="100000"/>
+                        <a:shade val="50000"/>
+                        <a:satMod val="240000"/>
+                      </a:schemeClr>
+                    </a:gs>
+                  </a:gsLst>
+                  <a:lin ang="5400000"/>
+                </a:gradFill>
+                <a:effectLst>
+                  <a:outerShdw blurRad="50800" dist="39000" dir="5460000" algn="tl">
+                    <a:srgbClr val="000000">
+                      <a:alpha val="38000"/>
+                    </a:srgbClr>
+                  </a:outerShdw>
+                </a:effectLst>
+              </a:rPr>
+              <a:t>ava</a:t>
+            </a:r>
+            <a:r>
+              <a:rPr lang="en-US" sz="3200" b="1" dirty="0" smtClean="0">
+                <a:ln w="11430"/>
+                <a:gradFill>
+                  <a:gsLst>
+                    <a:gs pos="0">
+                      <a:schemeClr val="accent2">
+                        <a:tint val="70000"/>
+                        <a:satMod val="245000"/>
+                      </a:schemeClr>
+                    </a:gs>
+                    <a:gs pos="75000">
+                      <a:schemeClr val="accent2">
+                        <a:tint val="90000"/>
+                        <a:shade val="60000"/>
+                        <a:satMod val="240000"/>
+                      </a:schemeClr>
+                    </a:gs>
+                    <a:gs pos="100000">
+                      <a:schemeClr val="accent2">
+                        <a:tint val="100000"/>
+                        <a:shade val="50000"/>
+                        <a:satMod val="240000"/>
+                      </a:schemeClr>
+                    </a:gs>
+                  </a:gsLst>
+                  <a:lin ang="5400000"/>
+                </a:gradFill>
+                <a:effectLst>
+                  <a:outerShdw blurRad="50800" dist="39000" dir="5460000" algn="tl">
+                    <a:srgbClr val="000000">
+                      <a:alpha val="38000"/>
+                    </a:srgbClr>
+                  </a:outerShdw>
+                </a:effectLst>
+              </a:rPr>
+              <a:t> </a:t>
+            </a:r>
+            <a:r>
+              <a:rPr lang="en-US" sz="3200" b="1" dirty="0" smtClean="0">
+                <a:ln w="11430"/>
+                <a:gradFill>
+                  <a:gsLst>
+                    <a:gs pos="0">
+                      <a:schemeClr val="accent2">
+                        <a:tint val="70000"/>
+                        <a:satMod val="245000"/>
+                      </a:schemeClr>
+                    </a:gs>
+                    <a:gs pos="75000">
+                      <a:schemeClr val="accent2">
+                        <a:tint val="90000"/>
+                        <a:shade val="60000"/>
+                        <a:satMod val="240000"/>
+                      </a:schemeClr>
+                    </a:gs>
+                    <a:gs pos="100000">
+                      <a:schemeClr val="accent2">
+                        <a:tint val="100000"/>
+                        <a:shade val="50000"/>
+                        <a:satMod val="240000"/>
+                      </a:schemeClr>
+                    </a:gs>
+                  </a:gsLst>
+                  <a:lin ang="5400000"/>
+                </a:gradFill>
+                <a:effectLst>
+                  <a:outerShdw blurRad="50800" dist="39000" dir="5460000" algn="tl">
+                    <a:srgbClr val="000000">
+                      <a:alpha val="38000"/>
+                    </a:srgbClr>
+                  </a:outerShdw>
+                </a:effectLst>
+              </a:rPr>
+              <a:t>related in this example</a:t>
+            </a:r>
+            <a:r>
+              <a:rPr lang="tr-TR" sz="3200" b="1" dirty="0" smtClean="0">
+                <a:ln w="11430"/>
+                <a:gradFill>
+                  <a:gsLst>
+                    <a:gs pos="0">
+                      <a:schemeClr val="accent2">
+                        <a:tint val="70000"/>
+                        <a:satMod val="245000"/>
+                      </a:schemeClr>
+                    </a:gs>
+                    <a:gs pos="75000">
+                      <a:schemeClr val="accent2">
+                        <a:tint val="90000"/>
+                        <a:shade val="60000"/>
+                        <a:satMod val="240000"/>
+                      </a:schemeClr>
+                    </a:gs>
+                    <a:gs pos="100000">
+                      <a:schemeClr val="accent2">
+                        <a:tint val="100000"/>
+                        <a:shade val="50000"/>
+                        <a:satMod val="240000"/>
+                      </a:schemeClr>
+                    </a:gs>
+                  </a:gsLst>
+                  <a:lin ang="5400000"/>
+                </a:gradFill>
+                <a:effectLst>
+                  <a:outerShdw blurRad="50800" dist="39000" dir="5460000" algn="tl">
+                    <a:srgbClr val="000000">
+                      <a:alpha val="38000"/>
+                    </a:srgbClr>
+                  </a:outerShdw>
+                </a:effectLst>
+              </a:rPr>
+              <a:t>?</a:t>
+            </a:r>
+            <a:endParaRPr lang="tr-TR" sz="3200" b="1" cap="none" spc="0" dirty="0">
+              <a:ln w="11430"/>
+              <a:gradFill>
+                <a:gsLst>
+                  <a:gs pos="0">
+                    <a:schemeClr val="accent2">
+                      <a:tint val="70000"/>
+                      <a:satMod val="245000"/>
+                    </a:schemeClr>
+                  </a:gs>
+                  <a:gs pos="75000">
+                    <a:schemeClr val="accent2">
+                      <a:tint val="90000"/>
+                      <a:shade val="60000"/>
+                      <a:satMod val="240000"/>
+                    </a:schemeClr>
+                  </a:gs>
+                  <a:gs pos="100000">
+                    <a:schemeClr val="accent2">
+                      <a:tint val="100000"/>
+                      <a:shade val="50000"/>
+                      <a:satMod val="240000"/>
+                    </a:schemeClr>
+                  </a:gs>
+                </a:gsLst>
+                <a:lin ang="5400000"/>
+              </a:gradFill>
+              <a:effectLst>
+                <a:outerShdw blurRad="50800" dist="39000" dir="5460000" algn="tl">
+                  <a:srgbClr val="000000">
+                    <a:alpha val="38000"/>
+                  </a:srgbClr>
+                </a:outerShdw>
+              </a:effectLst>
+            </a:endParaRPr>
+          </a:p>
+        </p:txBody>
+      </p:sp>
+      <p:sp>
+        <p:nvSpPr>
+          <p:cNvPr id="10" name="9 Metin kutusu"/>
+          <p:cNvSpPr txBox="1"/>
+          <p:nvPr/>
+        </p:nvSpPr>
+        <p:spPr>
+          <a:xfrm>
+            <a:off x="0" y="1772816"/>
+            <a:ext cx="9036496" cy="2308324"/>
+          </a:xfrm>
+          <a:prstGeom prst="rect">
+            <a:avLst/>
+          </a:prstGeom>
+          <a:noFill/>
+        </p:spPr>
+        <p:txBody>
+          <a:bodyPr wrap="square" rtlCol="0">
+            <a:spAutoFit/>
+          </a:bodyPr>
+          <a:lstStyle/>
+          <a:p>
+            <a:pPr marL="342900" indent="-342900" algn="ctr">
+              <a:buFont typeface="+mj-lt"/>
+              <a:buAutoNum type="arabicPeriod"/>
+            </a:pPr>
+            <a:r>
+              <a:rPr lang="tr-TR" dirty="0" err="1" smtClean="0"/>
+              <a:t>Loops</a:t>
+            </a:r>
+            <a:endParaRPr lang="tr-TR" dirty="0" smtClean="0"/>
+          </a:p>
+          <a:p>
+            <a:pPr marL="342900" indent="-342900" algn="ctr">
+              <a:buFont typeface="+mj-lt"/>
+              <a:buAutoNum type="arabicPeriod"/>
+            </a:pPr>
+            <a:r>
+              <a:rPr lang="tr-TR" dirty="0" err="1" smtClean="0"/>
+              <a:t>Scanner</a:t>
+            </a:r>
+            <a:r>
+              <a:rPr lang="tr-TR" dirty="0" smtClean="0"/>
+              <a:t> </a:t>
+            </a:r>
+            <a:r>
+              <a:rPr lang="tr-TR" dirty="0" err="1" smtClean="0"/>
+              <a:t>Class</a:t>
+            </a:r>
+            <a:r>
+              <a:rPr lang="tr-TR" dirty="0" smtClean="0"/>
+              <a:t> </a:t>
+            </a:r>
+            <a:r>
+              <a:rPr lang="tr-TR" dirty="0" err="1" smtClean="0"/>
+              <a:t>for</a:t>
+            </a:r>
+            <a:r>
+              <a:rPr lang="tr-TR" dirty="0" smtClean="0"/>
+              <a:t> </a:t>
+            </a:r>
+            <a:r>
+              <a:rPr lang="tr-TR" dirty="0" err="1" smtClean="0"/>
+              <a:t>taking</a:t>
+            </a:r>
+            <a:r>
+              <a:rPr lang="tr-TR" dirty="0" smtClean="0"/>
+              <a:t> </a:t>
+            </a:r>
+            <a:r>
+              <a:rPr lang="tr-TR" dirty="0" err="1" smtClean="0"/>
+              <a:t>input</a:t>
+            </a:r>
+            <a:endParaRPr lang="tr-TR" dirty="0" smtClean="0"/>
+          </a:p>
+          <a:p>
+            <a:pPr marL="342900" indent="-342900" algn="ctr">
+              <a:buFont typeface="+mj-lt"/>
+              <a:buAutoNum type="arabicPeriod"/>
+            </a:pPr>
+            <a:r>
+              <a:rPr lang="tr-TR" dirty="0" err="1" smtClean="0"/>
+              <a:t>Primitive</a:t>
+            </a:r>
+            <a:r>
+              <a:rPr lang="tr-TR" dirty="0" smtClean="0"/>
+              <a:t> </a:t>
+            </a:r>
+            <a:r>
+              <a:rPr lang="tr-TR" dirty="0" err="1" smtClean="0"/>
+              <a:t>Variables</a:t>
+            </a:r>
+            <a:endParaRPr lang="tr-TR" dirty="0" smtClean="0"/>
+          </a:p>
+          <a:p>
+            <a:pPr marL="342900" indent="-342900" algn="ctr">
+              <a:buFont typeface="+mj-lt"/>
+              <a:buAutoNum type="arabicPeriod"/>
+            </a:pPr>
+            <a:r>
+              <a:rPr lang="tr-TR" dirty="0" err="1" smtClean="0"/>
+              <a:t>Switch</a:t>
+            </a:r>
+            <a:r>
+              <a:rPr lang="tr-TR" dirty="0" smtClean="0"/>
+              <a:t> </a:t>
+            </a:r>
+            <a:r>
+              <a:rPr lang="tr-TR" dirty="0" err="1" smtClean="0"/>
+              <a:t>Case</a:t>
+            </a:r>
+            <a:endParaRPr lang="tr-TR" dirty="0" smtClean="0"/>
+          </a:p>
+          <a:p>
+            <a:pPr marL="342900" indent="-342900" algn="ctr">
+              <a:buFont typeface="+mj-lt"/>
+              <a:buAutoNum type="arabicPeriod"/>
+            </a:pPr>
+            <a:r>
+              <a:rPr lang="tr-TR" dirty="0" err="1" smtClean="0"/>
+              <a:t>Constructors</a:t>
+            </a:r>
+            <a:endParaRPr lang="tr-TR" dirty="0" smtClean="0"/>
+          </a:p>
+          <a:p>
+            <a:pPr marL="342900" indent="-342900" algn="ctr">
+              <a:buFont typeface="+mj-lt"/>
+              <a:buAutoNum type="arabicPeriod"/>
+            </a:pPr>
+            <a:r>
+              <a:rPr lang="tr-TR" dirty="0" err="1" smtClean="0"/>
+              <a:t>Overriding</a:t>
+            </a:r>
+            <a:endParaRPr lang="tr-TR" dirty="0" smtClean="0"/>
+          </a:p>
+          <a:p>
+            <a:pPr marL="342900" indent="-342900" algn="ctr">
+              <a:buFont typeface="+mj-lt"/>
+              <a:buAutoNum type="arabicPeriod"/>
+            </a:pPr>
+            <a:r>
+              <a:rPr lang="tr-TR" dirty="0" err="1" smtClean="0"/>
+              <a:t>Inheritance</a:t>
+            </a:r>
+            <a:endParaRPr lang="tr-TR" dirty="0" smtClean="0"/>
+          </a:p>
+          <a:p>
+            <a:pPr marL="342900" indent="-342900" algn="ctr">
+              <a:buFont typeface="+mj-lt"/>
+              <a:buAutoNum type="arabicPeriod"/>
+            </a:pPr>
+            <a:r>
+              <a:rPr lang="tr-TR" dirty="0" smtClean="0"/>
+              <a:t>OOP</a:t>
+            </a:r>
+            <a:endParaRPr lang="tr-TR" dirty="0" smtClean="0"/>
+          </a:p>
+        </p:txBody>
+      </p:sp>
+      <p:sp>
+        <p:nvSpPr>
+          <p:cNvPr id="11" name="10 Dikdörtgen"/>
+          <p:cNvSpPr/>
+          <p:nvPr/>
+        </p:nvSpPr>
+        <p:spPr>
+          <a:xfrm>
+            <a:off x="107504" y="3933056"/>
+            <a:ext cx="9036496" cy="583565"/>
+          </a:xfrm>
+          <a:prstGeom prst="rect">
+            <a:avLst/>
+          </a:prstGeom>
+          <a:noFill/>
+        </p:spPr>
+        <p:txBody>
+          <a:bodyPr wrap="square" lIns="91440" tIns="45720" rIns="91440" bIns="45720">
+            <a:spAutoFit/>
+            <a:scene3d>
+              <a:camera prst="orthographicFront"/>
+              <a:lightRig rig="flat" dir="tl">
+                <a:rot lat="0" lon="0" rev="6600000"/>
+              </a:lightRig>
+            </a:scene3d>
+            <a:sp3d extrusionH="25400" contourW="8890">
+              <a:bevelT w="38100" h="31750"/>
+              <a:contourClr>
+                <a:schemeClr val="accent2">
+                  <a:shade val="75000"/>
+                </a:schemeClr>
+              </a:contourClr>
+            </a:sp3d>
+          </a:bodyPr>
+          <a:lstStyle/>
+          <a:p>
+            <a:pPr algn="ctr"/>
+            <a:r>
+              <a:rPr lang="tr-TR" sz="3200" b="1" dirty="0" smtClean="0">
+                <a:ln w="11430"/>
+                <a:gradFill>
+                  <a:gsLst>
+                    <a:gs pos="0">
+                      <a:schemeClr val="accent2">
+                        <a:tint val="70000"/>
+                        <a:satMod val="245000"/>
+                      </a:schemeClr>
+                    </a:gs>
+                    <a:gs pos="75000">
+                      <a:schemeClr val="accent2">
+                        <a:tint val="90000"/>
+                        <a:shade val="60000"/>
+                        <a:satMod val="240000"/>
+                      </a:schemeClr>
+                    </a:gs>
+                    <a:gs pos="100000">
+                      <a:schemeClr val="accent2">
+                        <a:tint val="100000"/>
+                        <a:shade val="50000"/>
+                        <a:satMod val="240000"/>
+                      </a:schemeClr>
+                    </a:gs>
+                  </a:gsLst>
+                  <a:lin ang="5400000"/>
+                </a:gradFill>
+                <a:effectLst>
+                  <a:outerShdw blurRad="50800" dist="39000" dir="5460000" algn="tl">
+                    <a:srgbClr val="000000">
+                      <a:alpha val="38000"/>
+                    </a:srgbClr>
+                  </a:outerShdw>
+                </a:effectLst>
+              </a:rPr>
+              <a:t>W</a:t>
+            </a:r>
+            <a:r>
+              <a:rPr lang="en-US" sz="3200" b="1" dirty="0" smtClean="0">
+                <a:ln w="11430"/>
+                <a:gradFill>
+                  <a:gsLst>
+                    <a:gs pos="0">
+                      <a:schemeClr val="accent2">
+                        <a:tint val="70000"/>
+                        <a:satMod val="245000"/>
+                      </a:schemeClr>
+                    </a:gs>
+                    <a:gs pos="75000">
+                      <a:schemeClr val="accent2">
+                        <a:tint val="90000"/>
+                        <a:shade val="60000"/>
+                        <a:satMod val="240000"/>
+                      </a:schemeClr>
+                    </a:gs>
+                    <a:gs pos="100000">
+                      <a:schemeClr val="accent2">
+                        <a:tint val="100000"/>
+                        <a:shade val="50000"/>
+                        <a:satMod val="240000"/>
+                      </a:schemeClr>
+                    </a:gs>
+                  </a:gsLst>
+                  <a:lin ang="5400000"/>
+                </a:gradFill>
+                <a:effectLst>
+                  <a:outerShdw blurRad="50800" dist="39000" dir="5460000" algn="tl">
+                    <a:srgbClr val="000000">
+                      <a:alpha val="38000"/>
+                    </a:srgbClr>
+                  </a:outerShdw>
+                </a:effectLst>
+              </a:rPr>
+              <a:t>hat is </a:t>
+            </a:r>
+            <a:r>
+              <a:rPr lang="tr-TR" sz="3200" b="1" dirty="0" smtClean="0">
+                <a:ln w="11430"/>
+                <a:gradFill>
+                  <a:gsLst>
+                    <a:gs pos="0">
+                      <a:schemeClr val="accent2">
+                        <a:tint val="70000"/>
+                        <a:satMod val="245000"/>
+                      </a:schemeClr>
+                    </a:gs>
+                    <a:gs pos="75000">
+                      <a:schemeClr val="accent2">
+                        <a:tint val="90000"/>
+                        <a:shade val="60000"/>
+                        <a:satMod val="240000"/>
+                      </a:schemeClr>
+                    </a:gs>
+                    <a:gs pos="100000">
+                      <a:schemeClr val="accent2">
+                        <a:tint val="100000"/>
+                        <a:shade val="50000"/>
+                        <a:satMod val="240000"/>
+                      </a:schemeClr>
+                    </a:gs>
+                  </a:gsLst>
+                  <a:lin ang="5400000"/>
+                </a:gradFill>
+                <a:effectLst>
+                  <a:outerShdw blurRad="50800" dist="39000" dir="5460000" algn="tl">
+                    <a:srgbClr val="000000">
+                      <a:alpha val="38000"/>
+                    </a:srgbClr>
+                  </a:outerShdw>
+                </a:effectLst>
+              </a:rPr>
+              <a:t>OOP </a:t>
+            </a:r>
+            <a:r>
+              <a:rPr lang="en-US" sz="3200" b="1" dirty="0" smtClean="0">
+                <a:ln w="11430"/>
+                <a:gradFill>
+                  <a:gsLst>
+                    <a:gs pos="0">
+                      <a:schemeClr val="accent2">
+                        <a:tint val="70000"/>
+                        <a:satMod val="245000"/>
+                      </a:schemeClr>
+                    </a:gs>
+                    <a:gs pos="75000">
+                      <a:schemeClr val="accent2">
+                        <a:tint val="90000"/>
+                        <a:shade val="60000"/>
+                        <a:satMod val="240000"/>
+                      </a:schemeClr>
+                    </a:gs>
+                    <a:gs pos="100000">
+                      <a:schemeClr val="accent2">
+                        <a:tint val="100000"/>
+                        <a:shade val="50000"/>
+                        <a:satMod val="240000"/>
+                      </a:schemeClr>
+                    </a:gs>
+                  </a:gsLst>
+                  <a:lin ang="5400000"/>
+                </a:gradFill>
+                <a:effectLst>
+                  <a:outerShdw blurRad="50800" dist="39000" dir="5460000" algn="tl">
+                    <a:srgbClr val="000000">
+                      <a:alpha val="38000"/>
+                    </a:srgbClr>
+                  </a:outerShdw>
+                </a:effectLst>
+              </a:rPr>
+              <a:t>related </a:t>
+            </a:r>
+            <a:r>
+              <a:rPr lang="en-US" sz="3200" b="1" dirty="0" smtClean="0">
+                <a:ln w="11430"/>
+                <a:gradFill>
+                  <a:gsLst>
+                    <a:gs pos="0">
+                      <a:schemeClr val="accent2">
+                        <a:tint val="70000"/>
+                        <a:satMod val="245000"/>
+                      </a:schemeClr>
+                    </a:gs>
+                    <a:gs pos="75000">
+                      <a:schemeClr val="accent2">
+                        <a:tint val="90000"/>
+                        <a:shade val="60000"/>
+                        <a:satMod val="240000"/>
+                      </a:schemeClr>
+                    </a:gs>
+                    <a:gs pos="100000">
+                      <a:schemeClr val="accent2">
+                        <a:tint val="100000"/>
+                        <a:shade val="50000"/>
+                        <a:satMod val="240000"/>
+                      </a:schemeClr>
+                    </a:gs>
+                  </a:gsLst>
+                  <a:lin ang="5400000"/>
+                </a:gradFill>
+                <a:effectLst>
+                  <a:outerShdw blurRad="50800" dist="39000" dir="5460000" algn="tl">
+                    <a:srgbClr val="000000">
+                      <a:alpha val="38000"/>
+                    </a:srgbClr>
+                  </a:outerShdw>
+                </a:effectLst>
+              </a:rPr>
+              <a:t>in this example</a:t>
+            </a:r>
+            <a:r>
+              <a:rPr lang="tr-TR" sz="3200" b="1" dirty="0" smtClean="0">
+                <a:ln w="11430"/>
+                <a:gradFill>
+                  <a:gsLst>
+                    <a:gs pos="0">
+                      <a:schemeClr val="accent2">
+                        <a:tint val="70000"/>
+                        <a:satMod val="245000"/>
+                      </a:schemeClr>
+                    </a:gs>
+                    <a:gs pos="75000">
+                      <a:schemeClr val="accent2">
+                        <a:tint val="90000"/>
+                        <a:shade val="60000"/>
+                        <a:satMod val="240000"/>
+                      </a:schemeClr>
+                    </a:gs>
+                    <a:gs pos="100000">
+                      <a:schemeClr val="accent2">
+                        <a:tint val="100000"/>
+                        <a:shade val="50000"/>
+                        <a:satMod val="240000"/>
+                      </a:schemeClr>
+                    </a:gs>
+                  </a:gsLst>
+                  <a:lin ang="5400000"/>
+                </a:gradFill>
+                <a:effectLst>
+                  <a:outerShdw blurRad="50800" dist="39000" dir="5460000" algn="tl">
+                    <a:srgbClr val="000000">
+                      <a:alpha val="38000"/>
+                    </a:srgbClr>
+                  </a:outerShdw>
+                </a:effectLst>
+              </a:rPr>
+              <a:t>?</a:t>
+            </a:r>
+            <a:endParaRPr lang="tr-TR" sz="3200" b="1" cap="none" spc="0" dirty="0">
+              <a:ln w="11430"/>
+              <a:gradFill>
+                <a:gsLst>
+                  <a:gs pos="0">
+                    <a:schemeClr val="accent2">
+                      <a:tint val="70000"/>
+                      <a:satMod val="245000"/>
+                    </a:schemeClr>
+                  </a:gs>
+                  <a:gs pos="75000">
+                    <a:schemeClr val="accent2">
+                      <a:tint val="90000"/>
+                      <a:shade val="60000"/>
+                      <a:satMod val="240000"/>
+                    </a:schemeClr>
+                  </a:gs>
+                  <a:gs pos="100000">
+                    <a:schemeClr val="accent2">
+                      <a:tint val="100000"/>
+                      <a:shade val="50000"/>
+                      <a:satMod val="240000"/>
+                    </a:schemeClr>
+                  </a:gs>
+                </a:gsLst>
+                <a:lin ang="5400000"/>
+              </a:gradFill>
+              <a:effectLst>
+                <a:outerShdw blurRad="50800" dist="39000" dir="5460000" algn="tl">
+                  <a:srgbClr val="000000">
+                    <a:alpha val="38000"/>
+                  </a:srgbClr>
+                </a:outerShdw>
+              </a:effectLst>
+            </a:endParaRPr>
+          </a:p>
+        </p:txBody>
+      </p:sp>
+      <p:sp>
+        <p:nvSpPr>
+          <p:cNvPr id="13" name="12 Metin kutusu"/>
+          <p:cNvSpPr txBox="1"/>
+          <p:nvPr/>
+        </p:nvSpPr>
+        <p:spPr>
+          <a:xfrm>
+            <a:off x="0" y="4581128"/>
+            <a:ext cx="9036496" cy="2031325"/>
+          </a:xfrm>
+          <a:prstGeom prst="rect">
+            <a:avLst/>
+          </a:prstGeom>
+          <a:noFill/>
+        </p:spPr>
+        <p:txBody>
+          <a:bodyPr wrap="square" rtlCol="0">
+            <a:spAutoFit/>
+          </a:bodyPr>
+          <a:lstStyle/>
+          <a:p>
+            <a:pPr marL="342900" indent="-342900">
+              <a:buFont typeface="+mj-lt"/>
+              <a:buAutoNum type="arabicPeriod"/>
+            </a:pPr>
+            <a:r>
+              <a:rPr lang="tr-TR" u="sng" dirty="0" err="1" smtClean="0">
+                <a:hlinkClick r:id="rId2"/>
+              </a:rPr>
+              <a:t>Inheritance</a:t>
+            </a:r>
+            <a:r>
+              <a:rPr lang="tr-TR" u="sng" dirty="0" smtClean="0"/>
+              <a:t> </a:t>
+            </a:r>
+            <a:r>
+              <a:rPr lang="en-US" dirty="0" smtClean="0"/>
+              <a:t>is a mechanism in which one object acquires all the properties and behaviors of a parent object.</a:t>
+            </a:r>
+            <a:endParaRPr lang="tr-TR" dirty="0" smtClean="0"/>
+          </a:p>
+          <a:p>
+            <a:pPr marL="342900" indent="-342900">
+              <a:buFont typeface="+mj-lt"/>
+              <a:buAutoNum type="arabicPeriod"/>
+            </a:pPr>
+            <a:r>
+              <a:rPr lang="tr-TR" u="sng" dirty="0" err="1" smtClean="0">
+                <a:hlinkClick r:id="rId3"/>
+              </a:rPr>
+              <a:t>Abstraction</a:t>
+            </a:r>
+            <a:r>
+              <a:rPr lang="tr-TR" u="sng" dirty="0" smtClean="0"/>
+              <a:t> </a:t>
+            </a:r>
+            <a:r>
+              <a:rPr lang="en-US" dirty="0" smtClean="0"/>
+              <a:t>is a process of hiding the implementation details and showing only functionality to the user.</a:t>
+            </a:r>
+            <a:endParaRPr lang="tr-TR" dirty="0" smtClean="0"/>
+          </a:p>
+          <a:p>
+            <a:pPr marL="342900" indent="-342900">
+              <a:buFont typeface="+mj-lt"/>
+              <a:buAutoNum type="arabicPeriod"/>
+            </a:pPr>
+            <a:r>
+              <a:rPr lang="tr-TR" u="sng" dirty="0" err="1" smtClean="0">
+                <a:hlinkClick r:id="rId4"/>
+              </a:rPr>
+              <a:t>Encapsulation</a:t>
+            </a:r>
+            <a:r>
+              <a:rPr lang="tr-TR" u="sng" dirty="0" smtClean="0"/>
+              <a:t> </a:t>
+            </a:r>
+            <a:r>
+              <a:rPr lang="en-US" dirty="0" smtClean="0"/>
+              <a:t>is a </a:t>
+            </a:r>
+            <a:r>
+              <a:rPr lang="en-US" i="1" dirty="0" smtClean="0"/>
+              <a:t>process of wrapping code and data together into a single unit</a:t>
+            </a:r>
+            <a:r>
+              <a:rPr lang="en-US" dirty="0" smtClean="0"/>
+              <a:t>, for example, a capsule which is mixed of several medicines.</a:t>
+            </a:r>
+            <a:endParaRPr lang="tr-TR" dirty="0" smtClean="0"/>
+          </a:p>
+          <a:p>
+            <a:pPr marL="342900" indent="-342900">
+              <a:buFont typeface="+mj-lt"/>
+              <a:buAutoNum type="arabicPeriod"/>
+            </a:pPr>
+            <a:endParaRPr lang="tr-TR" dirty="0"/>
+          </a:p>
+        </p:txBody>
+      </p:sp>
+      <p:pic>
+        <p:nvPicPr>
+          <p:cNvPr id="18434" name="Picture 2" descr="Java OOPs Concepts"/>
+          <p:cNvPicPr>
+            <a:picLocks noChangeAspect="1" noChangeArrowheads="1"/>
+          </p:cNvPicPr>
+          <p:nvPr/>
+        </p:nvPicPr>
+        <p:blipFill>
+          <a:blip r:embed="rId5" cstate="print"/>
+          <a:srcRect/>
+          <a:stretch>
+            <a:fillRect/>
+          </a:stretch>
+        </p:blipFill>
+        <p:spPr bwMode="auto">
+          <a:xfrm>
+            <a:off x="179513" y="1877920"/>
+            <a:ext cx="2668322" cy="2055136"/>
+          </a:xfrm>
+          <a:prstGeom prst="rect">
+            <a:avLst/>
+          </a:prstGeom>
+          <a:noFill/>
+        </p:spPr>
+      </p:pic>
+      <p:sp>
+        <p:nvSpPr>
+          <p:cNvPr id="18436" name="AutoShape 4" descr="Java'ya yeni başlayanlara IDE önerisi : BlueJ - Yazılım.net"/>
+          <p:cNvSpPr>
+            <a:spLocks noChangeAspect="1" noChangeArrowheads="1"/>
+          </p:cNvSpPr>
+          <p:nvPr/>
+        </p:nvSpPr>
+        <p:spPr bwMode="auto">
+          <a:xfrm>
+            <a:off x="155575" y="-144463"/>
+            <a:ext cx="304800" cy="304801"/>
+          </a:xfrm>
+          <a:prstGeom prst="rect">
+            <a:avLst/>
+          </a:prstGeom>
+          <a:noFill/>
+        </p:spPr>
+        <p:txBody>
+          <a:bodyPr vert="horz" wrap="square" lIns="91440" tIns="45720" rIns="91440" bIns="45720" numCol="1" anchor="t" anchorCtr="0" compatLnSpc="1"/>
+          <a:lstStyle/>
+          <a:p>
+            <a:endParaRPr lang="tr-TR"/>
+          </a:p>
+        </p:txBody>
+      </p:sp>
+      <p:pic>
+        <p:nvPicPr>
+          <p:cNvPr id="18438" name="Picture 6" descr="Java String İşlemleri – Ninja Kod"/>
+          <p:cNvPicPr>
+            <a:picLocks noChangeAspect="1" noChangeArrowheads="1"/>
+          </p:cNvPicPr>
+          <p:nvPr/>
+        </p:nvPicPr>
+        <p:blipFill>
+          <a:blip r:embed="rId6" cstate="print"/>
+          <a:srcRect/>
+          <a:stretch>
+            <a:fillRect/>
+          </a:stretch>
+        </p:blipFill>
+        <p:spPr bwMode="auto">
+          <a:xfrm>
+            <a:off x="6372200" y="1772816"/>
+            <a:ext cx="2448272" cy="2448272"/>
+          </a:xfrm>
+          <a:prstGeom prst="rect">
+            <a:avLst/>
+          </a:prstGeom>
+          <a:noFill/>
+        </p:spPr>
+      </p:pic>
+    </p:spTree>
+  </p:cSld>
+  <p:clrMapOvr>
+    <a:masterClrMapping/>
+  </p:clrMapOvr>
+</p:sld>
+</file>
+
+<file path=ppt/slides/slide7.xml><?xml version="1.0" encoding="utf-8"?>
+<p:sld xmlns:a="http://schemas.openxmlformats.org/drawingml/2006/main" xmlns:r="http://schemas.openxmlformats.org/officeDocument/2006/relationships" xmlns:p="http://schemas.openxmlformats.org/presentationml/2006/main">
+  <p:cSld>
+    <p:spTree>
+      <p:nvGrpSpPr>
+        <p:cNvPr id="1" name=""/>
+        <p:cNvGrpSpPr/>
+        <p:nvPr/>
+      </p:nvGrpSpPr>
+      <p:grpSpPr>
+        <a:xfrm>
+          <a:off x="0" y="0"/>
+          <a:ext cx="0" cy="0"/>
+          <a:chOff x="0" y="0"/>
+          <a:chExt cx="0" cy="0"/>
+        </a:xfrm>
+      </p:grpSpPr>
+      <p:pic>
+        <p:nvPicPr>
+          <p:cNvPr id="19458" name="Picture 2" descr="Thank you for listening - YouTube"/>
+          <p:cNvPicPr>
+            <a:picLocks noChangeAspect="1" noChangeArrowheads="1"/>
+          </p:cNvPicPr>
+          <p:nvPr/>
+        </p:nvPicPr>
+        <p:blipFill>
+          <a:blip r:embed="rId1" cstate="print"/>
+          <a:srcRect l="1575" t="14700" r="2351" b="22301"/>
+          <a:stretch>
+            <a:fillRect/>
+          </a:stretch>
+        </p:blipFill>
+        <p:spPr bwMode="auto">
+          <a:xfrm>
+            <a:off x="1115616" y="1484784"/>
+            <a:ext cx="7320813" cy="3600400"/>
+          </a:xfrm>
+          <a:prstGeom prst="rect">
+            <a:avLst/>
+          </a:prstGeom>
+          <a:noFill/>
+        </p:spPr>
+      </p:pic>
+      <p:pic>
+        <p:nvPicPr>
+          <p:cNvPr id="19459" name="Picture 3" descr="E:\3_photoshop_canvas\33201481.jpg"/>
+          <p:cNvPicPr>
+            <a:picLocks noChangeAspect="1" noChangeArrowheads="1"/>
+          </p:cNvPicPr>
+          <p:nvPr/>
+        </p:nvPicPr>
+        <p:blipFill>
+          <a:blip r:embed="rId2" cstate="print"/>
+          <a:srcRect/>
+          <a:stretch>
+            <a:fillRect/>
+          </a:stretch>
+        </p:blipFill>
+        <p:spPr bwMode="auto">
+          <a:xfrm>
+            <a:off x="0" y="0"/>
+            <a:ext cx="1475656" cy="1475656"/>
+          </a:xfrm>
+          <a:prstGeom prst="rect">
+            <a:avLst/>
+          </a:prstGeom>
+          <a:noFill/>
+        </p:spPr>
+      </p:pic>
+      <p:pic>
+        <p:nvPicPr>
+          <p:cNvPr id="19460" name="Picture 4" descr="E:\3_photoshop_canvas\eu5 murT.jpg"/>
+          <p:cNvPicPr>
+            <a:picLocks noChangeAspect="1" noChangeArrowheads="1"/>
+          </p:cNvPicPr>
+          <p:nvPr/>
+        </p:nvPicPr>
+        <p:blipFill>
+          <a:blip r:embed="rId3" cstate="print"/>
+          <a:srcRect/>
+          <a:stretch>
+            <a:fillRect/>
+          </a:stretch>
+        </p:blipFill>
+        <p:spPr bwMode="auto">
+          <a:xfrm>
+            <a:off x="5940153" y="5055835"/>
+            <a:ext cx="3203848" cy="1802165"/>
+          </a:xfrm>
+          <a:prstGeom prst="rect">
+            <a:avLst/>
+          </a:prstGeom>
+          <a:noFill/>
+        </p:spPr>
+      </p:pic>
     </p:spTree>
   </p:cSld>
   <p:clrMapOvr>
@@ -4124,7 +6929,10 @@
       </a:bgFillStyleLst>
     </a:fmtScheme>
   </a:themeElements>
-  <a:objectDefaults/>
-  <a:extraClrSchemeLst/>
+  <a:extLst>
+    <a:ext uri="{05A4C25C-085E-4340-85A3-A5531E510DB2}">
+      <thm15:themeFamily xmlns:thm15="http://schemas.microsoft.com/office/thememl/2012/main" name="Office Theme" id="{62F939B6-93AF-4DB8-9C6B-D6C7DFDC589F}" vid="{4A3C46E8-61CC-4603-A589-7422A47A8E4A}"/>
+    </a:ext>
+  </a:extLst>
 </a:theme>
 </file>